--- a/PROYECTO/01 Medium Level/PROY_M00.pptx
+++ b/PROYECTO/01 Medium Level/PROY_M00.pptx
@@ -11,15 +11,15 @@
     <p:sldId id="256" r:id="rId2"/>
     <p:sldId id="262" r:id="rId3"/>
     <p:sldId id="258" r:id="rId4"/>
-    <p:sldId id="269" r:id="rId5"/>
-    <p:sldId id="271" r:id="rId6"/>
-    <p:sldId id="270" r:id="rId7"/>
-    <p:sldId id="263" r:id="rId8"/>
-    <p:sldId id="264" r:id="rId9"/>
-    <p:sldId id="266" r:id="rId10"/>
-    <p:sldId id="272" r:id="rId11"/>
-    <p:sldId id="267" r:id="rId12"/>
-    <p:sldId id="265" r:id="rId13"/>
+    <p:sldId id="271" r:id="rId5"/>
+    <p:sldId id="276" r:id="rId6"/>
+    <p:sldId id="275" r:id="rId7"/>
+    <p:sldId id="264" r:id="rId8"/>
+    <p:sldId id="266" r:id="rId9"/>
+    <p:sldId id="272" r:id="rId10"/>
+    <p:sldId id="267" r:id="rId11"/>
+    <p:sldId id="265" r:id="rId12"/>
+    <p:sldId id="274" r:id="rId13"/>
     <p:sldId id="273" r:id="rId14"/>
   </p:sldIdLst>
   <p:sldSz cx="9144000" cy="5143500" type="screen16x9"/>
@@ -33,7 +33,7 @@
       <p:boldItalic r:id="rId19"/>
     </p:embeddedFont>
     <p:embeddedFont>
-      <p:font typeface="Roboto" panose="020B0604020202020204" charset="0"/>
+      <p:font typeface="Roboto" panose="02000000000000000000" pitchFamily="2" charset="0"/>
       <p:regular r:id="rId20"/>
       <p:bold r:id="rId21"/>
       <p:italic r:id="rId22"/>
@@ -1071,7 +1071,7 @@
     </p:spTree>
     <p:extLst>
       <p:ext uri="{BB962C8B-B14F-4D97-AF65-F5344CB8AC3E}">
-        <p14:creationId xmlns:p14="http://schemas.microsoft.com/office/powerpoint/2010/main" val="2734201137"/>
+        <p14:creationId xmlns:p14="http://schemas.microsoft.com/office/powerpoint/2010/main" val="1585904641"/>
       </p:ext>
     </p:extLst>
   </p:cSld>
@@ -1180,7 +1180,7 @@
     </p:spTree>
     <p:extLst>
       <p:ext uri="{BB962C8B-B14F-4D97-AF65-F5344CB8AC3E}">
-        <p14:creationId xmlns:p14="http://schemas.microsoft.com/office/powerpoint/2010/main" val="1585904641"/>
+        <p14:creationId xmlns:p14="http://schemas.microsoft.com/office/powerpoint/2010/main" val="1973310153"/>
       </p:ext>
     </p:extLst>
   </p:cSld>
@@ -1289,7 +1289,7 @@
     </p:spTree>
     <p:extLst>
       <p:ext uri="{BB962C8B-B14F-4D97-AF65-F5344CB8AC3E}">
-        <p14:creationId xmlns:p14="http://schemas.microsoft.com/office/powerpoint/2010/main" val="594956717"/>
+        <p14:creationId xmlns:p14="http://schemas.microsoft.com/office/powerpoint/2010/main" val="1905398820"/>
       </p:ext>
     </p:extLst>
   </p:cSld>
@@ -6102,7 +6102,7 @@
         <p:spPr>
           <a:xfrm>
             <a:off x="0" y="893134"/>
-            <a:ext cx="9101470" cy="4247317"/>
+            <a:ext cx="9101470" cy="2246769"/>
           </a:xfrm>
           <a:prstGeom prst="rect">
             <a:avLst/>
@@ -6115,365 +6115,6 @@
           </a:bodyPr>
           <a:lstStyle/>
           <a:p>
-            <a:r>
-              <a:rPr lang="es-MX" sz="1800" dirty="0">
-                <a:latin typeface="72" panose="020B0503030000000003" pitchFamily="34" charset="0"/>
-                <a:cs typeface="72" panose="020B0503030000000003" pitchFamily="34" charset="0"/>
-              </a:rPr>
-              <a:t>La funcionalidad mínima esperada es:</a:t>
-            </a:r>
-          </a:p>
-          <a:p>
-            <a:r>
-              <a:rPr lang="es-MX" sz="1800" b="1" dirty="0">
-                <a:latin typeface="72" panose="020B0503030000000003" pitchFamily="34" charset="0"/>
-                <a:cs typeface="72" panose="020B0503030000000003" pitchFamily="34" charset="0"/>
-              </a:rPr>
-              <a:t>Clase para modelar el objeto elegido:</a:t>
-            </a:r>
-            <a:endParaRPr lang="es-MX" sz="1800" dirty="0">
-              <a:latin typeface="72" panose="020B0503030000000003" pitchFamily="34" charset="0"/>
-              <a:cs typeface="72" panose="020B0503030000000003" pitchFamily="34" charset="0"/>
-            </a:endParaRPr>
-          </a:p>
-          <a:p>
-            <a:pPr marL="342900" indent="-342900">
-              <a:buFont typeface="Arial" panose="020B0604020202020204" pitchFamily="34" charset="0"/>
-              <a:buChar char="•"/>
-            </a:pPr>
-            <a:r>
-              <a:rPr lang="es-MX" sz="1800" dirty="0">
-                <a:latin typeface="72" panose="020B0503030000000003" pitchFamily="34" charset="0"/>
-                <a:cs typeface="72" panose="020B0503030000000003" pitchFamily="34" charset="0"/>
-              </a:rPr>
-              <a:t>5 atributos, correctamente encapsulados</a:t>
-            </a:r>
-          </a:p>
-          <a:p>
-            <a:pPr marL="342900" indent="-342900">
-              <a:buFont typeface="Arial" panose="020B0604020202020204" pitchFamily="34" charset="0"/>
-              <a:buChar char="•"/>
-            </a:pPr>
-            <a:r>
-              <a:rPr lang="es-MX" sz="1800" dirty="0">
-                <a:latin typeface="72" panose="020B0503030000000003" pitchFamily="34" charset="0"/>
-                <a:cs typeface="72" panose="020B0503030000000003" pitchFamily="34" charset="0"/>
-              </a:rPr>
-              <a:t>1 constructor</a:t>
-            </a:r>
-          </a:p>
-          <a:p>
-            <a:pPr marL="342900" indent="-342900">
-              <a:buFont typeface="Arial" panose="020B0604020202020204" pitchFamily="34" charset="0"/>
-              <a:buChar char="•"/>
-            </a:pPr>
-            <a:r>
-              <a:rPr lang="es-MX" sz="1800" dirty="0">
-                <a:highlight>
-                  <a:srgbClr val="00FF00"/>
-                </a:highlight>
-                <a:latin typeface="72" panose="020B0503030000000003" pitchFamily="34" charset="0"/>
-                <a:cs typeface="72" panose="020B0503030000000003" pitchFamily="34" charset="0"/>
-              </a:rPr>
-              <a:t>(Sólo para Taller) 2 constructores, correctamente sobrecargados</a:t>
-            </a:r>
-          </a:p>
-          <a:p>
-            <a:pPr marL="342900" indent="-342900">
-              <a:buFont typeface="Arial" panose="020B0604020202020204" pitchFamily="34" charset="0"/>
-              <a:buChar char="•"/>
-            </a:pPr>
-            <a:r>
-              <a:rPr lang="es-MX" sz="1800" dirty="0">
-                <a:latin typeface="72" panose="020B0503030000000003" pitchFamily="34" charset="0"/>
-                <a:cs typeface="72" panose="020B0503030000000003" pitchFamily="34" charset="0"/>
-              </a:rPr>
-              <a:t>4 métodos</a:t>
-            </a:r>
-          </a:p>
-          <a:p>
-            <a:pPr marL="342900" indent="-342900">
-              <a:buFont typeface="Arial" panose="020B0604020202020204" pitchFamily="34" charset="0"/>
-              <a:buChar char="•"/>
-            </a:pPr>
-            <a:r>
-              <a:rPr lang="es-MX" sz="1800" dirty="0">
-                <a:highlight>
-                  <a:srgbClr val="00FF00"/>
-                </a:highlight>
-                <a:latin typeface="72" panose="020B0503030000000003" pitchFamily="34" charset="0"/>
-                <a:cs typeface="72" panose="020B0503030000000003" pitchFamily="34" charset="0"/>
-              </a:rPr>
-              <a:t>(Sólo para Taller) Implementar dos funcionalidades vista en el taller (recursión, manejo de excepciones, pillas, filas, tablas hash)</a:t>
-            </a:r>
-          </a:p>
-          <a:p>
-            <a:endParaRPr lang="es-MX" sz="1800" dirty="0">
-              <a:latin typeface="72" panose="020B0503030000000003" pitchFamily="34" charset="0"/>
-              <a:cs typeface="72" panose="020B0503030000000003" pitchFamily="34" charset="0"/>
-            </a:endParaRPr>
-          </a:p>
-          <a:p>
-            <a:r>
-              <a:rPr lang="es-MX" sz="1800" b="1" dirty="0">
-                <a:latin typeface="72" panose="020B0503030000000003" pitchFamily="34" charset="0"/>
-                <a:cs typeface="72" panose="020B0503030000000003" pitchFamily="34" charset="0"/>
-              </a:rPr>
-              <a:t>Interfaz Gráfica:</a:t>
-            </a:r>
-          </a:p>
-          <a:p>
-            <a:pPr marL="342900" indent="-342900">
-              <a:buFont typeface="Arial" panose="020B0604020202020204" pitchFamily="34" charset="0"/>
-              <a:buChar char="•"/>
-            </a:pPr>
-            <a:r>
-              <a:rPr lang="es-MX" sz="1800" dirty="0">
-                <a:latin typeface="72" panose="020B0503030000000003" pitchFamily="34" charset="0"/>
-                <a:cs typeface="72" panose="020B0503030000000003" pitchFamily="34" charset="0"/>
-              </a:rPr>
-              <a:t>1 ventana</a:t>
-            </a:r>
-          </a:p>
-          <a:p>
-            <a:pPr marL="342900" indent="-342900">
-              <a:buFont typeface="Arial" panose="020B0604020202020204" pitchFamily="34" charset="0"/>
-              <a:buChar char="•"/>
-            </a:pPr>
-            <a:r>
-              <a:rPr lang="es-MX" sz="1800" dirty="0">
-                <a:latin typeface="72" panose="020B0503030000000003" pitchFamily="34" charset="0"/>
-                <a:cs typeface="72" panose="020B0503030000000003" pitchFamily="34" charset="0"/>
-              </a:rPr>
-              <a:t>2 botones</a:t>
-            </a:r>
-          </a:p>
-          <a:p>
-            <a:pPr marL="342900" indent="-342900">
-              <a:buFont typeface="Arial" panose="020B0604020202020204" pitchFamily="34" charset="0"/>
-              <a:buChar char="•"/>
-            </a:pPr>
-            <a:r>
-              <a:rPr lang="es-MX" sz="1800" dirty="0">
-                <a:latin typeface="72" panose="020B0503030000000003" pitchFamily="34" charset="0"/>
-                <a:cs typeface="72" panose="020B0503030000000003" pitchFamily="34" charset="0"/>
-              </a:rPr>
-              <a:t>4 </a:t>
-            </a:r>
-            <a:r>
-              <a:rPr lang="es-MX" sz="1800" dirty="0" err="1">
-                <a:latin typeface="72" panose="020B0503030000000003" pitchFamily="34" charset="0"/>
-                <a:cs typeface="72" panose="020B0503030000000003" pitchFamily="34" charset="0"/>
-              </a:rPr>
-              <a:t>labels</a:t>
-            </a:r>
-            <a:r>
-              <a:rPr lang="es-MX" sz="1800" dirty="0">
-                <a:latin typeface="72" panose="020B0503030000000003" pitchFamily="34" charset="0"/>
-                <a:cs typeface="72" panose="020B0503030000000003" pitchFamily="34" charset="0"/>
-              </a:rPr>
-              <a:t> y 4 </a:t>
-            </a:r>
-            <a:r>
-              <a:rPr lang="es-MX" sz="1800" dirty="0" err="1">
-                <a:latin typeface="72" panose="020B0503030000000003" pitchFamily="34" charset="0"/>
-                <a:cs typeface="72" panose="020B0503030000000003" pitchFamily="34" charset="0"/>
-              </a:rPr>
-              <a:t>inputboxes</a:t>
-            </a:r>
-            <a:endParaRPr lang="es-MX" sz="1800" dirty="0">
-              <a:latin typeface="72" panose="020B0503030000000003" pitchFamily="34" charset="0"/>
-              <a:cs typeface="72" panose="020B0503030000000003" pitchFamily="34" charset="0"/>
-            </a:endParaRPr>
-          </a:p>
-          <a:p>
-            <a:pPr marL="342900" indent="-342900">
-              <a:buFont typeface="Arial" panose="020B0604020202020204" pitchFamily="34" charset="0"/>
-              <a:buChar char="•"/>
-            </a:pPr>
-            <a:r>
-              <a:rPr lang="es-MX" sz="1800" dirty="0">
-                <a:latin typeface="72" panose="020B0503030000000003" pitchFamily="34" charset="0"/>
-                <a:cs typeface="72" panose="020B0503030000000003" pitchFamily="34" charset="0"/>
-              </a:rPr>
-              <a:t>1 imagen </a:t>
-            </a:r>
-          </a:p>
-          <a:p>
-            <a:endParaRPr lang="es-MX" sz="1800" b="1" dirty="0">
-              <a:latin typeface="72" panose="020B0503030000000003" pitchFamily="34" charset="0"/>
-              <a:cs typeface="72" panose="020B0503030000000003" pitchFamily="34" charset="0"/>
-            </a:endParaRPr>
-          </a:p>
-        </p:txBody>
-      </p:sp>
-      <p:pic>
-        <p:nvPicPr>
-          <p:cNvPr id="5" name="Graphic 4" descr="Presentation with media">
-            <a:extLst>
-              <a:ext uri="{FF2B5EF4-FFF2-40B4-BE49-F238E27FC236}">
-                <a16:creationId xmlns:a16="http://schemas.microsoft.com/office/drawing/2014/main" id="{A7255E5F-6B86-4D1A-AB33-47A60F5AC5D6}"/>
-              </a:ext>
-            </a:extLst>
-          </p:cNvPr>
-          <p:cNvPicPr>
-            <a:picLocks noChangeAspect="1"/>
-          </p:cNvPicPr>
-          <p:nvPr/>
-        </p:nvPicPr>
-        <p:blipFill>
-          <a:blip r:embed="rId2">
-            <a:extLst>
-              <a:ext uri="{96DAC541-7B7A-43D3-8B79-37D633B846F1}">
-                <asvg:svgBlip xmlns:asvg="http://schemas.microsoft.com/office/drawing/2016/SVG/main" r:embed="rId3"/>
-              </a:ext>
-            </a:extLst>
-          </a:blip>
-          <a:stretch>
-            <a:fillRect/>
-          </a:stretch>
-        </p:blipFill>
-        <p:spPr>
-          <a:xfrm>
-            <a:off x="7624775" y="-47343"/>
-            <a:ext cx="987817" cy="987817"/>
-          </a:xfrm>
-          <a:prstGeom prst="rect">
-            <a:avLst/>
-          </a:prstGeom>
-        </p:spPr>
-      </p:pic>
-    </p:spTree>
-    <p:extLst>
-      <p:ext uri="{BB962C8B-B14F-4D97-AF65-F5344CB8AC3E}">
-        <p14:creationId xmlns:p14="http://schemas.microsoft.com/office/powerpoint/2010/main" val="3145101568"/>
-      </p:ext>
-    </p:extLst>
-  </p:cSld>
-  <p:clrMapOvr>
-    <a:masterClrMapping/>
-  </p:clrMapOvr>
-</p:sld>
-</file>
-
-<file path=ppt/slides/slide11.xml><?xml version="1.0" encoding="utf-8"?>
-<p:sld xmlns:a="http://schemas.openxmlformats.org/drawingml/2006/main" xmlns:r="http://schemas.openxmlformats.org/officeDocument/2006/relationships" xmlns:p="http://schemas.openxmlformats.org/presentationml/2006/main">
-  <p:cSld>
-    <p:spTree>
-      <p:nvGrpSpPr>
-        <p:cNvPr id="1" name=""/>
-        <p:cNvGrpSpPr/>
-        <p:nvPr/>
-      </p:nvGrpSpPr>
-      <p:grpSpPr>
-        <a:xfrm>
-          <a:off x="0" y="0"/>
-          <a:ext cx="0" cy="0"/>
-          <a:chOff x="0" y="0"/>
-          <a:chExt cx="0" cy="0"/>
-        </a:xfrm>
-      </p:grpSpPr>
-      <p:sp>
-        <p:nvSpPr>
-          <p:cNvPr id="11" name="Rectangle 10">
-            <a:extLst>
-              <a:ext uri="{FF2B5EF4-FFF2-40B4-BE49-F238E27FC236}">
-                <a16:creationId xmlns:a16="http://schemas.microsoft.com/office/drawing/2014/main" id="{1BF55567-E569-4783-8A9A-A17C6B815A8F}"/>
-              </a:ext>
-            </a:extLst>
-          </p:cNvPr>
-          <p:cNvSpPr/>
-          <p:nvPr/>
-        </p:nvSpPr>
-        <p:spPr>
-          <a:xfrm>
-            <a:off x="0" y="-1"/>
-            <a:ext cx="9143999" cy="893135"/>
-          </a:xfrm>
-          <a:prstGeom prst="rect">
-            <a:avLst/>
-          </a:prstGeom>
-          <a:solidFill>
-            <a:srgbClr val="B78700"/>
-          </a:solidFill>
-          <a:ln>
-            <a:solidFill>
-              <a:srgbClr val="B78700"/>
-            </a:solidFill>
-          </a:ln>
-        </p:spPr>
-        <p:style>
-          <a:lnRef idx="2">
-            <a:schemeClr val="accent1">
-              <a:shade val="50000"/>
-            </a:schemeClr>
-          </a:lnRef>
-          <a:fillRef idx="1">
-            <a:schemeClr val="accent1"/>
-          </a:fillRef>
-          <a:effectRef idx="0">
-            <a:schemeClr val="accent1"/>
-          </a:effectRef>
-          <a:fontRef idx="minor">
-            <a:schemeClr val="lt1"/>
-          </a:fontRef>
-        </p:style>
-        <p:txBody>
-          <a:bodyPr rtlCol="0" anchor="ctr"/>
-          <a:lstStyle/>
-          <a:p>
-            <a:r>
-              <a:rPr lang="en-US" sz="3000" b="1" dirty="0">
-                <a:solidFill>
-                  <a:schemeClr val="bg1"/>
-                </a:solidFill>
-              </a:rPr>
-              <a:t>2. </a:t>
-            </a:r>
-            <a:r>
-              <a:rPr lang="en-US" sz="3000" b="1" dirty="0" err="1">
-                <a:solidFill>
-                  <a:schemeClr val="bg1"/>
-                </a:solidFill>
-              </a:rPr>
-              <a:t>Codificación</a:t>
-            </a:r>
-            <a:endParaRPr lang="es-MX" sz="3000" b="1" dirty="0">
-              <a:solidFill>
-                <a:schemeClr val="bg1"/>
-              </a:solidFill>
-            </a:endParaRPr>
-          </a:p>
-        </p:txBody>
-      </p:sp>
-      <p:sp>
-        <p:nvSpPr>
-          <p:cNvPr id="2" name="TextBox 1">
-            <a:extLst>
-              <a:ext uri="{FF2B5EF4-FFF2-40B4-BE49-F238E27FC236}">
-                <a16:creationId xmlns:a16="http://schemas.microsoft.com/office/drawing/2014/main" id="{26E30AAB-29BC-4CE7-B288-6FE748B82A42}"/>
-              </a:ext>
-            </a:extLst>
-          </p:cNvPr>
-          <p:cNvSpPr txBox="1"/>
-          <p:nvPr/>
-        </p:nvSpPr>
-        <p:spPr>
-          <a:xfrm>
-            <a:off x="0" y="893134"/>
-            <a:ext cx="9101470" cy="2554545"/>
-          </a:xfrm>
-          <a:prstGeom prst="rect">
-            <a:avLst/>
-          </a:prstGeom>
-          <a:noFill/>
-        </p:spPr>
-        <p:txBody>
-          <a:bodyPr wrap="square" rtlCol="0">
-            <a:spAutoFit/>
-          </a:bodyPr>
-          <a:lstStyle/>
-          <a:p>
             <a:endParaRPr lang="es-MX" sz="2000" dirty="0">
               <a:latin typeface="72" panose="020B0503030000000003" pitchFamily="34" charset="0"/>
               <a:cs typeface="72" panose="020B0503030000000003" pitchFamily="34" charset="0"/>
@@ -6485,21 +6126,7 @@
                 <a:latin typeface="72" panose="020B0503030000000003" pitchFamily="34" charset="0"/>
                 <a:cs typeface="72" panose="020B0503030000000003" pitchFamily="34" charset="0"/>
               </a:rPr>
-              <a:t>Se entregarán todos los archivos del proyecto generados, incluyendo clases, folders y archivos adicionales. Se solicita entregar el proyecto completo en un archivo comprimido, o, como liga a un repositorio público de código, como </a:t>
-            </a:r>
-            <a:r>
-              <a:rPr lang="es-MX" sz="2000" dirty="0" err="1">
-                <a:latin typeface="72" panose="020B0503030000000003" pitchFamily="34" charset="0"/>
-                <a:cs typeface="72" panose="020B0503030000000003" pitchFamily="34" charset="0"/>
-              </a:rPr>
-              <a:t>Github</a:t>
-            </a:r>
-            <a:r>
-              <a:rPr lang="es-MX" sz="2000" dirty="0">
-                <a:latin typeface="72" panose="020B0503030000000003" pitchFamily="34" charset="0"/>
-                <a:cs typeface="72" panose="020B0503030000000003" pitchFamily="34" charset="0"/>
-              </a:rPr>
-              <a:t>. </a:t>
+              <a:t>Se entregarán todos los archivos del proyecto generados, incluyendo clases, folders y archivos adicionales. Se debe entregar el proyecto completo en un archivo comprimido (.zip) a través de Canvas.</a:t>
             </a:r>
           </a:p>
           <a:p>
@@ -6571,6 +6198,566 @@
   <p:clrMapOvr>
     <a:masterClrMapping/>
   </p:clrMapOvr>
+</p:sld>
+</file>
+
+<file path=ppt/slides/slide11.xml><?xml version="1.0" encoding="utf-8"?>
+<p:sld xmlns:a="http://schemas.openxmlformats.org/drawingml/2006/main" xmlns:r="http://schemas.openxmlformats.org/officeDocument/2006/relationships" xmlns:p="http://schemas.openxmlformats.org/presentationml/2006/main">
+  <p:cSld>
+    <p:spTree>
+      <p:nvGrpSpPr>
+        <p:cNvPr id="1" name=""/>
+        <p:cNvGrpSpPr/>
+        <p:nvPr/>
+      </p:nvGrpSpPr>
+      <p:grpSpPr>
+        <a:xfrm>
+          <a:off x="0" y="0"/>
+          <a:ext cx="0" cy="0"/>
+          <a:chOff x="0" y="0"/>
+          <a:chExt cx="0" cy="0"/>
+        </a:xfrm>
+      </p:grpSpPr>
+      <p:sp>
+        <p:nvSpPr>
+          <p:cNvPr id="11" name="Rectangle 10">
+            <a:extLst>
+              <a:ext uri="{FF2B5EF4-FFF2-40B4-BE49-F238E27FC236}">
+                <a16:creationId xmlns:a16="http://schemas.microsoft.com/office/drawing/2014/main" id="{1BF55567-E569-4783-8A9A-A17C6B815A8F}"/>
+              </a:ext>
+            </a:extLst>
+          </p:cNvPr>
+          <p:cNvSpPr/>
+          <p:nvPr/>
+        </p:nvSpPr>
+        <p:spPr>
+          <a:xfrm>
+            <a:off x="0" y="-1"/>
+            <a:ext cx="9143999" cy="893135"/>
+          </a:xfrm>
+          <a:prstGeom prst="rect">
+            <a:avLst/>
+          </a:prstGeom>
+          <a:solidFill>
+            <a:schemeClr val="accent3"/>
+          </a:solidFill>
+          <a:ln>
+            <a:solidFill>
+              <a:schemeClr val="accent3"/>
+            </a:solidFill>
+          </a:ln>
+        </p:spPr>
+        <p:style>
+          <a:lnRef idx="2">
+            <a:schemeClr val="accent1">
+              <a:shade val="50000"/>
+            </a:schemeClr>
+          </a:lnRef>
+          <a:fillRef idx="1">
+            <a:schemeClr val="accent1"/>
+          </a:fillRef>
+          <a:effectRef idx="0">
+            <a:schemeClr val="accent1"/>
+          </a:effectRef>
+          <a:fontRef idx="minor">
+            <a:schemeClr val="lt1"/>
+          </a:fontRef>
+        </p:style>
+        <p:txBody>
+          <a:bodyPr rtlCol="0" anchor="ctr"/>
+          <a:lstStyle/>
+          <a:p>
+            <a:r>
+              <a:rPr lang="en-US" sz="3000" b="1" dirty="0">
+                <a:solidFill>
+                  <a:schemeClr val="bg1"/>
+                </a:solidFill>
+              </a:rPr>
+              <a:t>3. </a:t>
+            </a:r>
+            <a:r>
+              <a:rPr lang="en-US" sz="3000" b="1" dirty="0" err="1">
+                <a:solidFill>
+                  <a:schemeClr val="bg1"/>
+                </a:solidFill>
+              </a:rPr>
+              <a:t>Demostración</a:t>
+            </a:r>
+            <a:endParaRPr lang="es-MX" sz="3000" b="1" dirty="0">
+              <a:solidFill>
+                <a:schemeClr val="bg1"/>
+              </a:solidFill>
+            </a:endParaRPr>
+          </a:p>
+        </p:txBody>
+      </p:sp>
+      <p:pic>
+        <p:nvPicPr>
+          <p:cNvPr id="12" name="Graphic 11" descr="Checklist">
+            <a:extLst>
+              <a:ext uri="{FF2B5EF4-FFF2-40B4-BE49-F238E27FC236}">
+                <a16:creationId xmlns:a16="http://schemas.microsoft.com/office/drawing/2014/main" id="{563C072D-4195-4CE4-9E4E-E732D21E1755}"/>
+              </a:ext>
+            </a:extLst>
+          </p:cNvPr>
+          <p:cNvPicPr>
+            <a:picLocks noChangeAspect="1"/>
+          </p:cNvPicPr>
+          <p:nvPr/>
+        </p:nvPicPr>
+        <p:blipFill>
+          <a:blip r:embed="rId2">
+            <a:extLst>
+              <a:ext uri="{96DAC541-7B7A-43D3-8B79-37D633B846F1}">
+                <asvg:svgBlip xmlns:asvg="http://schemas.microsoft.com/office/drawing/2016/SVG/main" r:embed="rId3"/>
+              </a:ext>
+            </a:extLst>
+          </a:blip>
+          <a:stretch>
+            <a:fillRect/>
+          </a:stretch>
+        </p:blipFill>
+        <p:spPr>
+          <a:xfrm>
+            <a:off x="7659034" y="0"/>
+            <a:ext cx="893135" cy="893135"/>
+          </a:xfrm>
+          <a:prstGeom prst="rect">
+            <a:avLst/>
+          </a:prstGeom>
+        </p:spPr>
+      </p:pic>
+      <p:sp>
+        <p:nvSpPr>
+          <p:cNvPr id="2" name="TextBox 1">
+            <a:extLst>
+              <a:ext uri="{FF2B5EF4-FFF2-40B4-BE49-F238E27FC236}">
+                <a16:creationId xmlns:a16="http://schemas.microsoft.com/office/drawing/2014/main" id="{26E30AAB-29BC-4CE7-B288-6FE748B82A42}"/>
+              </a:ext>
+            </a:extLst>
+          </p:cNvPr>
+          <p:cNvSpPr txBox="1"/>
+          <p:nvPr/>
+        </p:nvSpPr>
+        <p:spPr>
+          <a:xfrm>
+            <a:off x="0" y="1041990"/>
+            <a:ext cx="8745279" cy="2862322"/>
+          </a:xfrm>
+          <a:prstGeom prst="rect">
+            <a:avLst/>
+          </a:prstGeom>
+          <a:noFill/>
+        </p:spPr>
+        <p:txBody>
+          <a:bodyPr wrap="square" rtlCol="0">
+            <a:spAutoFit/>
+          </a:bodyPr>
+          <a:lstStyle/>
+          <a:p>
+            <a:r>
+              <a:rPr lang="en-US" sz="2000" b="1" dirty="0" err="1">
+                <a:latin typeface="72" panose="020B0503030000000003" pitchFamily="34" charset="0"/>
+                <a:cs typeface="72" panose="020B0503030000000003" pitchFamily="34" charset="0"/>
+              </a:rPr>
+              <a:t>Fecha</a:t>
+            </a:r>
+            <a:r>
+              <a:rPr lang="en-US" sz="2000" b="1" dirty="0">
+                <a:latin typeface="72" panose="020B0503030000000003" pitchFamily="34" charset="0"/>
+                <a:cs typeface="72" panose="020B0503030000000003" pitchFamily="34" charset="0"/>
+              </a:rPr>
+              <a:t> de </a:t>
+            </a:r>
+            <a:r>
+              <a:rPr lang="en-US" sz="2000" b="1" dirty="0" err="1">
+                <a:latin typeface="72" panose="020B0503030000000003" pitchFamily="34" charset="0"/>
+                <a:cs typeface="72" panose="020B0503030000000003" pitchFamily="34" charset="0"/>
+              </a:rPr>
+              <a:t>entrega</a:t>
+            </a:r>
+            <a:r>
+              <a:rPr lang="en-US" sz="2000" b="1" dirty="0">
+                <a:latin typeface="72" panose="020B0503030000000003" pitchFamily="34" charset="0"/>
+                <a:cs typeface="72" panose="020B0503030000000003" pitchFamily="34" charset="0"/>
+              </a:rPr>
+              <a:t>: </a:t>
+            </a:r>
+            <a:r>
+              <a:rPr lang="en-US" sz="2000" dirty="0">
+                <a:latin typeface="72" panose="020B0503030000000003" pitchFamily="34" charset="0"/>
+                <a:cs typeface="72" panose="020B0503030000000003" pitchFamily="34" charset="0"/>
+              </a:rPr>
+              <a:t>3 de mayo @ 7:30 AM</a:t>
+            </a:r>
+          </a:p>
+          <a:p>
+            <a:endParaRPr lang="en-US" sz="2000" dirty="0">
+              <a:latin typeface="72" panose="020B0503030000000003" pitchFamily="34" charset="0"/>
+              <a:cs typeface="72" panose="020B0503030000000003" pitchFamily="34" charset="0"/>
+            </a:endParaRPr>
+          </a:p>
+          <a:p>
+            <a:r>
+              <a:rPr lang="es-MX" sz="2000" b="1" dirty="0">
+                <a:latin typeface="72" panose="020B0503030000000003" pitchFamily="34" charset="0"/>
+                <a:cs typeface="72" panose="020B0503030000000003" pitchFamily="34" charset="0"/>
+              </a:rPr>
+              <a:t>Entregable: </a:t>
+            </a:r>
+            <a:r>
+              <a:rPr lang="es-MX" sz="2000" dirty="0">
+                <a:latin typeface="72" panose="020B0503030000000003" pitchFamily="34" charset="0"/>
+                <a:cs typeface="72" panose="020B0503030000000003" pitchFamily="34" charset="0"/>
+              </a:rPr>
+              <a:t>El equipo deberá subir a YouTube un video de entre 2 y 5 minutos explicando el funcionamiento de su proyecto. Por cuestiones de privacidad, se sugiere catalogar el video con privacidad “</a:t>
+            </a:r>
+            <a:r>
+              <a:rPr lang="es-MX" sz="2000" dirty="0" err="1">
+                <a:latin typeface="72" panose="020B0503030000000003" pitchFamily="34" charset="0"/>
+                <a:cs typeface="72" panose="020B0503030000000003" pitchFamily="34" charset="0"/>
+              </a:rPr>
+              <a:t>unlisted</a:t>
+            </a:r>
+            <a:r>
+              <a:rPr lang="es-MX" sz="2000" dirty="0">
+                <a:latin typeface="72" panose="020B0503030000000003" pitchFamily="34" charset="0"/>
+                <a:cs typeface="72" panose="020B0503030000000003" pitchFamily="34" charset="0"/>
+              </a:rPr>
+              <a:t>”.</a:t>
+            </a:r>
+          </a:p>
+          <a:p>
+            <a:endParaRPr lang="es-MX" sz="2000" dirty="0">
+              <a:latin typeface="72" panose="020B0503030000000003" pitchFamily="34" charset="0"/>
+              <a:cs typeface="72" panose="020B0503030000000003" pitchFamily="34" charset="0"/>
+            </a:endParaRPr>
+          </a:p>
+          <a:p>
+            <a:r>
+              <a:rPr lang="es-MX" sz="2000" dirty="0">
+                <a:latin typeface="72" panose="020B0503030000000003" pitchFamily="34" charset="0"/>
+                <a:cs typeface="72" panose="020B0503030000000003" pitchFamily="34" charset="0"/>
+              </a:rPr>
+              <a:t>En el video es suficiente mostrar la ejecución, navegación y uso de su programa. No es necesario mostrar y explicar el código fuente.</a:t>
+            </a:r>
+          </a:p>
+          <a:p>
+            <a:endParaRPr lang="es-MX" sz="2000" b="1" dirty="0">
+              <a:latin typeface="72" panose="020B0503030000000003" pitchFamily="34" charset="0"/>
+              <a:cs typeface="72" panose="020B0503030000000003" pitchFamily="34" charset="0"/>
+            </a:endParaRPr>
+          </a:p>
+        </p:txBody>
+      </p:sp>
+      <p:pic>
+        <p:nvPicPr>
+          <p:cNvPr id="4" name="Picture 3">
+            <a:extLst>
+              <a:ext uri="{FF2B5EF4-FFF2-40B4-BE49-F238E27FC236}">
+                <a16:creationId xmlns:a16="http://schemas.microsoft.com/office/drawing/2014/main" id="{366AD2EB-3D67-4956-B38C-F364929A49F2}"/>
+              </a:ext>
+            </a:extLst>
+          </p:cNvPr>
+          <p:cNvPicPr>
+            <a:picLocks noChangeAspect="1"/>
+          </p:cNvPicPr>
+          <p:nvPr/>
+        </p:nvPicPr>
+        <p:blipFill>
+          <a:blip r:embed="rId4"/>
+          <a:stretch>
+            <a:fillRect/>
+          </a:stretch>
+        </p:blipFill>
+        <p:spPr>
+          <a:xfrm>
+            <a:off x="120579" y="3735805"/>
+            <a:ext cx="3038904" cy="1203158"/>
+          </a:xfrm>
+          <a:prstGeom prst="rect">
+            <a:avLst/>
+          </a:prstGeom>
+        </p:spPr>
+      </p:pic>
+    </p:spTree>
+    <p:extLst>
+      <p:ext uri="{BB962C8B-B14F-4D97-AF65-F5344CB8AC3E}">
+        <p14:creationId xmlns:p14="http://schemas.microsoft.com/office/powerpoint/2010/main" val="4123016633"/>
+      </p:ext>
+    </p:extLst>
+  </p:cSld>
+  <p:clrMapOvr>
+    <a:masterClrMapping/>
+  </p:clrMapOvr>
+  <p:timing>
+    <p:tnLst>
+      <p:par>
+        <p:cTn id="1" dur="indefinite" restart="never" nodeType="tmRoot">
+          <p:childTnLst>
+            <p:seq concurrent="1" nextAc="seek">
+              <p:cTn id="2" dur="indefinite" nodeType="mainSeq">
+                <p:childTnLst>
+                  <p:par>
+                    <p:cTn id="3" fill="hold">
+                      <p:stCondLst>
+                        <p:cond delay="indefinite"/>
+                      </p:stCondLst>
+                      <p:childTnLst>
+                        <p:par>
+                          <p:cTn id="4" fill="hold">
+                            <p:stCondLst>
+                              <p:cond delay="0"/>
+                            </p:stCondLst>
+                            <p:childTnLst>
+                              <p:par>
+                                <p:cTn id="5" presetID="2" presetClass="entr" presetSubtype="4" fill="hold" nodeType="clickEffect">
+                                  <p:stCondLst>
+                                    <p:cond delay="0"/>
+                                  </p:stCondLst>
+                                  <p:childTnLst>
+                                    <p:set>
+                                      <p:cBhvr>
+                                        <p:cTn id="6" dur="1" fill="hold">
+                                          <p:stCondLst>
+                                            <p:cond delay="0"/>
+                                          </p:stCondLst>
+                                        </p:cTn>
+                                        <p:tgtEl>
+                                          <p:spTgt spid="12"/>
+                                        </p:tgtEl>
+                                        <p:attrNameLst>
+                                          <p:attrName>style.visibility</p:attrName>
+                                        </p:attrNameLst>
+                                      </p:cBhvr>
+                                      <p:to>
+                                        <p:strVal val="visible"/>
+                                      </p:to>
+                                    </p:set>
+                                    <p:anim calcmode="lin" valueType="num">
+                                      <p:cBhvr additive="base">
+                                        <p:cTn id="7" dur="500" fill="hold"/>
+                                        <p:tgtEl>
+                                          <p:spTgt spid="12"/>
+                                        </p:tgtEl>
+                                        <p:attrNameLst>
+                                          <p:attrName>ppt_x</p:attrName>
+                                        </p:attrNameLst>
+                                      </p:cBhvr>
+                                      <p:tavLst>
+                                        <p:tav tm="0">
+                                          <p:val>
+                                            <p:strVal val="#ppt_x"/>
+                                          </p:val>
+                                        </p:tav>
+                                        <p:tav tm="100000">
+                                          <p:val>
+                                            <p:strVal val="#ppt_x"/>
+                                          </p:val>
+                                        </p:tav>
+                                      </p:tavLst>
+                                    </p:anim>
+                                    <p:anim calcmode="lin" valueType="num">
+                                      <p:cBhvr additive="base">
+                                        <p:cTn id="8" dur="500" fill="hold"/>
+                                        <p:tgtEl>
+                                          <p:spTgt spid="12"/>
+                                        </p:tgtEl>
+                                        <p:attrNameLst>
+                                          <p:attrName>ppt_y</p:attrName>
+                                        </p:attrNameLst>
+                                      </p:cBhvr>
+                                      <p:tavLst>
+                                        <p:tav tm="0">
+                                          <p:val>
+                                            <p:strVal val="1+#ppt_h/2"/>
+                                          </p:val>
+                                        </p:tav>
+                                        <p:tav tm="100000">
+                                          <p:val>
+                                            <p:strVal val="#ppt_y"/>
+                                          </p:val>
+                                        </p:tav>
+                                      </p:tavLst>
+                                    </p:anim>
+                                  </p:childTnLst>
+                                </p:cTn>
+                              </p:par>
+                            </p:childTnLst>
+                          </p:cTn>
+                        </p:par>
+                      </p:childTnLst>
+                    </p:cTn>
+                  </p:par>
+                  <p:par>
+                    <p:cTn id="9" fill="hold">
+                      <p:stCondLst>
+                        <p:cond delay="indefinite"/>
+                      </p:stCondLst>
+                      <p:childTnLst>
+                        <p:par>
+                          <p:cTn id="10" fill="hold">
+                            <p:stCondLst>
+                              <p:cond delay="0"/>
+                            </p:stCondLst>
+                            <p:childTnLst>
+                              <p:par>
+                                <p:cTn id="11" presetID="1" presetClass="entr" presetSubtype="0" fill="hold" nodeType="clickEffect">
+                                  <p:stCondLst>
+                                    <p:cond delay="0"/>
+                                  </p:stCondLst>
+                                  <p:childTnLst>
+                                    <p:set>
+                                      <p:cBhvr>
+                                        <p:cTn id="12" dur="1" fill="hold">
+                                          <p:stCondLst>
+                                            <p:cond delay="0"/>
+                                          </p:stCondLst>
+                                        </p:cTn>
+                                        <p:tgtEl>
+                                          <p:spTgt spid="2">
+                                            <p:txEl>
+                                              <p:pRg st="0" end="0"/>
+                                            </p:txEl>
+                                          </p:spTgt>
+                                        </p:tgtEl>
+                                        <p:attrNameLst>
+                                          <p:attrName>style.visibility</p:attrName>
+                                        </p:attrNameLst>
+                                      </p:cBhvr>
+                                      <p:to>
+                                        <p:strVal val="visible"/>
+                                      </p:to>
+                                    </p:set>
+                                  </p:childTnLst>
+                                </p:cTn>
+                              </p:par>
+                            </p:childTnLst>
+                          </p:cTn>
+                        </p:par>
+                      </p:childTnLst>
+                    </p:cTn>
+                  </p:par>
+                  <p:par>
+                    <p:cTn id="13" fill="hold">
+                      <p:stCondLst>
+                        <p:cond delay="indefinite"/>
+                      </p:stCondLst>
+                      <p:childTnLst>
+                        <p:par>
+                          <p:cTn id="14" fill="hold">
+                            <p:stCondLst>
+                              <p:cond delay="0"/>
+                            </p:stCondLst>
+                            <p:childTnLst>
+                              <p:par>
+                                <p:cTn id="15" presetID="1" presetClass="entr" presetSubtype="0" fill="hold" nodeType="clickEffect">
+                                  <p:stCondLst>
+                                    <p:cond delay="0"/>
+                                  </p:stCondLst>
+                                  <p:childTnLst>
+                                    <p:set>
+                                      <p:cBhvr>
+                                        <p:cTn id="16" dur="1" fill="hold">
+                                          <p:stCondLst>
+                                            <p:cond delay="0"/>
+                                          </p:stCondLst>
+                                        </p:cTn>
+                                        <p:tgtEl>
+                                          <p:spTgt spid="2">
+                                            <p:txEl>
+                                              <p:pRg st="2" end="2"/>
+                                            </p:txEl>
+                                          </p:spTgt>
+                                        </p:tgtEl>
+                                        <p:attrNameLst>
+                                          <p:attrName>style.visibility</p:attrName>
+                                        </p:attrNameLst>
+                                      </p:cBhvr>
+                                      <p:to>
+                                        <p:strVal val="visible"/>
+                                      </p:to>
+                                    </p:set>
+                                  </p:childTnLst>
+                                </p:cTn>
+                              </p:par>
+                            </p:childTnLst>
+                          </p:cTn>
+                        </p:par>
+                      </p:childTnLst>
+                    </p:cTn>
+                  </p:par>
+                  <p:par>
+                    <p:cTn id="17" fill="hold">
+                      <p:stCondLst>
+                        <p:cond delay="indefinite"/>
+                      </p:stCondLst>
+                      <p:childTnLst>
+                        <p:par>
+                          <p:cTn id="18" fill="hold">
+                            <p:stCondLst>
+                              <p:cond delay="0"/>
+                            </p:stCondLst>
+                            <p:childTnLst>
+                              <p:par>
+                                <p:cTn id="19" presetID="1" presetClass="entr" presetSubtype="0" fill="hold" nodeType="clickEffect">
+                                  <p:stCondLst>
+                                    <p:cond delay="0"/>
+                                  </p:stCondLst>
+                                  <p:childTnLst>
+                                    <p:set>
+                                      <p:cBhvr>
+                                        <p:cTn id="20" dur="1" fill="hold">
+                                          <p:stCondLst>
+                                            <p:cond delay="0"/>
+                                          </p:stCondLst>
+                                        </p:cTn>
+                                        <p:tgtEl>
+                                          <p:spTgt spid="2">
+                                            <p:txEl>
+                                              <p:pRg st="4" end="4"/>
+                                            </p:txEl>
+                                          </p:spTgt>
+                                        </p:tgtEl>
+                                        <p:attrNameLst>
+                                          <p:attrName>style.visibility</p:attrName>
+                                        </p:attrNameLst>
+                                      </p:cBhvr>
+                                      <p:to>
+                                        <p:strVal val="visible"/>
+                                      </p:to>
+                                    </p:set>
+                                  </p:childTnLst>
+                                </p:cTn>
+                              </p:par>
+                            </p:childTnLst>
+                          </p:cTn>
+                        </p:par>
+                      </p:childTnLst>
+                    </p:cTn>
+                  </p:par>
+                </p:childTnLst>
+              </p:cTn>
+              <p:prevCondLst>
+                <p:cond evt="onPrev" delay="0">
+                  <p:tgtEl>
+                    <p:sldTgt/>
+                  </p:tgtEl>
+                </p:cond>
+              </p:prevCondLst>
+              <p:nextCondLst>
+                <p:cond evt="onNext" delay="0">
+                  <p:tgtEl>
+                    <p:sldTgt/>
+                  </p:tgtEl>
+                </p:cond>
+              </p:nextCondLst>
+            </p:seq>
+          </p:childTnLst>
+        </p:cTn>
+      </p:par>
+    </p:tnLst>
+  </p:timing>
 </p:sld>
 </file>
 
@@ -6715,7 +6902,7 @@
         <p:spPr>
           <a:xfrm>
             <a:off x="0" y="1041990"/>
-            <a:ext cx="8745279" cy="2862322"/>
+            <a:ext cx="8745279" cy="2246769"/>
           </a:xfrm>
           <a:prstGeom prst="rect">
             <a:avLst/>
@@ -6761,7 +6948,7 @@
                 <a:latin typeface="72" panose="020B0503030000000003" pitchFamily="34" charset="0"/>
                 <a:cs typeface="72" panose="020B0503030000000003" pitchFamily="34" charset="0"/>
               </a:rPr>
-              <a:t>5 de mayo @ 7:00 AM</a:t>
+              <a:t>3 de mayo @ 7:30 AM</a:t>
             </a:r>
           </a:p>
           <a:p>
@@ -6771,48 +6958,27 @@
             </a:endParaRPr>
           </a:p>
           <a:p>
-            <a:r>
-              <a:rPr lang="es-MX" sz="2000" b="1" dirty="0">
-                <a:latin typeface="72" panose="020B0503030000000003" pitchFamily="34" charset="0"/>
-                <a:cs typeface="72" panose="020B0503030000000003" pitchFamily="34" charset="0"/>
-              </a:rPr>
-              <a:t>Entregable: </a:t>
-            </a:r>
             <a:r>
               <a:rPr lang="es-MX" sz="2000" dirty="0">
                 <a:latin typeface="72" panose="020B0503030000000003" pitchFamily="34" charset="0"/>
                 <a:cs typeface="72" panose="020B0503030000000003" pitchFamily="34" charset="0"/>
               </a:rPr>
-              <a:t>El equipo deberá subir a YouTube un video de entre 2 y 5 minutos explicando el funcionamiento de su proyecto. Por cuestiones de privacidad, se sugiere catalogar el video con privacidad “</a:t>
+              <a:t>Adicionalmente, de manera aleatoria, 5 equipos tendrán que presentar sus proyectos frente al salón de clase. </a:t>
             </a:r>
-            <a:r>
-              <a:rPr lang="es-MX" sz="2000" dirty="0" err="1">
-                <a:latin typeface="72" panose="020B0503030000000003" pitchFamily="34" charset="0"/>
-                <a:cs typeface="72" panose="020B0503030000000003" pitchFamily="34" charset="0"/>
-              </a:rPr>
-              <a:t>unlisted</a:t>
-            </a:r>
+          </a:p>
+          <a:p>
+            <a:endParaRPr lang="es-MX" sz="2000" dirty="0">
+              <a:latin typeface="72" panose="020B0503030000000003" pitchFamily="34" charset="0"/>
+              <a:cs typeface="72" panose="020B0503030000000003" pitchFamily="34" charset="0"/>
+            </a:endParaRPr>
+          </a:p>
+          <a:p>
             <a:r>
               <a:rPr lang="es-MX" sz="2000" dirty="0">
                 <a:latin typeface="72" panose="020B0503030000000003" pitchFamily="34" charset="0"/>
                 <a:cs typeface="72" panose="020B0503030000000003" pitchFamily="34" charset="0"/>
               </a:rPr>
-              <a:t>”.</a:t>
-            </a:r>
-          </a:p>
-          <a:p>
-            <a:endParaRPr lang="es-MX" sz="2000" dirty="0">
-              <a:latin typeface="72" panose="020B0503030000000003" pitchFamily="34" charset="0"/>
-              <a:cs typeface="72" panose="020B0503030000000003" pitchFamily="34" charset="0"/>
-            </a:endParaRPr>
-          </a:p>
-          <a:p>
-            <a:r>
-              <a:rPr lang="es-MX" sz="2000" dirty="0">
-                <a:latin typeface="72" panose="020B0503030000000003" pitchFamily="34" charset="0"/>
-                <a:cs typeface="72" panose="020B0503030000000003" pitchFamily="34" charset="0"/>
-              </a:rPr>
-              <a:t>En el video es suficiente mostrar la ejecución, navegación y uso de su programa. No es necesario mostrar y explicar el código fuente.</a:t>
+              <a:t>La demostración deberá ser similar al video grabado, pero en vivo.</a:t>
             </a:r>
           </a:p>
           <a:p>
@@ -6823,40 +6989,10 @@
           </a:p>
         </p:txBody>
       </p:sp>
-      <p:pic>
-        <p:nvPicPr>
-          <p:cNvPr id="4" name="Picture 3">
-            <a:extLst>
-              <a:ext uri="{FF2B5EF4-FFF2-40B4-BE49-F238E27FC236}">
-                <a16:creationId xmlns:a16="http://schemas.microsoft.com/office/drawing/2014/main" id="{366AD2EB-3D67-4956-B38C-F364929A49F2}"/>
-              </a:ext>
-            </a:extLst>
-          </p:cNvPr>
-          <p:cNvPicPr>
-            <a:picLocks noChangeAspect="1"/>
-          </p:cNvPicPr>
-          <p:nvPr/>
-        </p:nvPicPr>
-        <p:blipFill>
-          <a:blip r:embed="rId4"/>
-          <a:stretch>
-            <a:fillRect/>
-          </a:stretch>
-        </p:blipFill>
-        <p:spPr>
-          <a:xfrm>
-            <a:off x="120579" y="3735805"/>
-            <a:ext cx="3038904" cy="1203158"/>
-          </a:xfrm>
-          <a:prstGeom prst="rect">
-            <a:avLst/>
-          </a:prstGeom>
-        </p:spPr>
-      </p:pic>
     </p:spTree>
     <p:extLst>
       <p:ext uri="{BB962C8B-B14F-4D97-AF65-F5344CB8AC3E}">
-        <p14:creationId xmlns:p14="http://schemas.microsoft.com/office/powerpoint/2010/main" val="4123016633"/>
+        <p14:creationId xmlns:p14="http://schemas.microsoft.com/office/powerpoint/2010/main" val="2263232405"/>
       </p:ext>
     </p:extLst>
   </p:cSld>
@@ -7200,7 +7336,7 @@
         <p:spPr>
           <a:xfrm>
             <a:off x="3567545" y="357800"/>
-            <a:ext cx="5146964" cy="2554545"/>
+            <a:ext cx="5146964" cy="2862322"/>
           </a:xfrm>
           <a:prstGeom prst="rect">
             <a:avLst/>
@@ -7233,7 +7369,7 @@
                 <a:ea typeface="Roboto" panose="020B0604020202020204" charset="0"/>
                 <a:cs typeface="72" panose="020B0503030000000003" pitchFamily="34" charset="0"/>
               </a:rPr>
-              <a:t>Individual, o en equipos de dos</a:t>
+              <a:t>Individual, o en equipos de 2 ó 3 personas</a:t>
             </a:r>
           </a:p>
           <a:p>
@@ -7250,35 +7386,7 @@
                 <a:ea typeface="Roboto" panose="020B0604020202020204" charset="0"/>
                 <a:cs typeface="72" panose="020B0503030000000003" pitchFamily="34" charset="0"/>
               </a:rPr>
-              <a:t>Ponderación</a:t>
-            </a:r>
-          </a:p>
-          <a:p>
-            <a:pPr marL="342900" indent="-342900">
-              <a:buFont typeface="Arial" panose="020B0604020202020204" pitchFamily="34" charset="0"/>
-              <a:buChar char="•"/>
-            </a:pPr>
-            <a:r>
-              <a:rPr lang="es-MX" sz="2000" dirty="0">
-                <a:latin typeface="72" panose="020B0503030000000003" pitchFamily="34" charset="0"/>
-                <a:ea typeface="Roboto" panose="020B0604020202020204" charset="0"/>
-                <a:cs typeface="72" panose="020B0503030000000003" pitchFamily="34" charset="0"/>
-              </a:rPr>
-              <a:t>Examen final: 30 puntos</a:t>
-            </a:r>
-          </a:p>
-          <a:p>
-            <a:pPr marL="342900" indent="-342900">
-              <a:buFont typeface="Arial" panose="020B0604020202020204" pitchFamily="34" charset="0"/>
-              <a:buChar char="•"/>
-            </a:pPr>
-            <a:r>
-              <a:rPr lang="es-MX" sz="2000" dirty="0">
-                <a:latin typeface="72" panose="020B0503030000000003" pitchFamily="34" charset="0"/>
-                <a:ea typeface="Roboto" panose="020B0604020202020204" charset="0"/>
-                <a:cs typeface="72" panose="020B0503030000000003" pitchFamily="34" charset="0"/>
-              </a:rPr>
-              <a:t>Actividad integradora: 20 puntos</a:t>
+              <a:t>Ponderación (20 puntos de calificación final)</a:t>
             </a:r>
           </a:p>
           <a:p>
@@ -7306,7 +7414,21 @@
                 <a:ea typeface="Roboto" panose="020B0604020202020204" charset="0"/>
                 <a:cs typeface="72" panose="020B0503030000000003" pitchFamily="34" charset="0"/>
               </a:rPr>
-              <a:t>Grabación: 5 puntos</a:t>
+              <a:t>Codificación: 10 puntos</a:t>
+            </a:r>
+          </a:p>
+          <a:p>
+            <a:pPr marL="342900" indent="-342900">
+              <a:buFont typeface="Arial" panose="020B0604020202020204" pitchFamily="34" charset="0"/>
+              <a:buChar char="•"/>
+            </a:pPr>
+            <a:r>
+              <a:rPr lang="es-MX" sz="2000" dirty="0">
+                <a:latin typeface="72" panose="020B0503030000000003" pitchFamily="34" charset="0"/>
+                <a:ea typeface="Roboto" panose="020B0604020202020204" charset="0"/>
+                <a:cs typeface="72" panose="020B0503030000000003" pitchFamily="34" charset="0"/>
+              </a:rPr>
+              <a:t>Grabación y/o Demo: 5 puntos</a:t>
             </a:r>
             <a:endParaRPr lang="en-US" sz="2000" dirty="0">
               <a:latin typeface="72" panose="020B0503030000000003" pitchFamily="34" charset="0"/>
@@ -7668,7 +7790,7 @@
                 <a:latin typeface="72" panose="020B0503030000000003" pitchFamily="34" charset="0"/>
                 <a:cs typeface="72" panose="020B0503030000000003" pitchFamily="34" charset="0"/>
               </a:rPr>
-              <a:t>Piensa en algún objeto coleccionable que te interese o guste. </a:t>
+              <a:t>Análisis de sets de datos utilizando Java</a:t>
             </a:r>
           </a:p>
           <a:p>
@@ -7685,7 +7807,7 @@
                 <a:latin typeface="72" panose="020B0503030000000003" pitchFamily="34" charset="0"/>
                 <a:cs typeface="72" panose="020B0503030000000003" pitchFamily="34" charset="0"/>
               </a:rPr>
-              <a:t>¿Cómo lo pudieras modelar a través de una clase de Java? </a:t>
+              <a:t>En este proyecto, utilizarás Java para analizar un set de datos de tu elección.</a:t>
             </a:r>
           </a:p>
           <a:p>
@@ -7702,7 +7824,7 @@
                 <a:latin typeface="72" panose="020B0503030000000003" pitchFamily="34" charset="0"/>
                 <a:cs typeface="72" panose="020B0503030000000003" pitchFamily="34" charset="0"/>
               </a:rPr>
-              <a:t>¿Con qué atributos y métodos contaría dicha clase?</a:t>
+              <a:t>Identificarás un set de datos que te interese, y deberás crear un programa que se encargue de leer, procesar y analizar la información.</a:t>
             </a:r>
           </a:p>
           <a:p>
@@ -7719,38 +7841,54 @@
                 <a:latin typeface="72" panose="020B0503030000000003" pitchFamily="34" charset="0"/>
                 <a:cs typeface="72" panose="020B0503030000000003" pitchFamily="34" charset="0"/>
               </a:rPr>
-              <a:t>¿Cómo pudieras generar una representación visual (interfaz gráfica) de dicho objeto?</a:t>
+              <a:t>Al finalizar, deberás desplegar resultados sobre el set de datos que has analizado.</a:t>
             </a:r>
           </a:p>
         </p:txBody>
       </p:sp>
       <p:pic>
         <p:nvPicPr>
-          <p:cNvPr id="3" name="Picture 2" descr="A picture containing text, vending machine&#10;&#10;Description automatically generated">
+          <p:cNvPr id="1026" name="Picture 2" descr="How to Analyze a Dataset: 6 Steps | HBS Online">
             <a:extLst>
               <a:ext uri="{FF2B5EF4-FFF2-40B4-BE49-F238E27FC236}">
-                <a16:creationId xmlns:a16="http://schemas.microsoft.com/office/drawing/2014/main" id="{C224944E-B1AC-434E-9580-0900F3098248}"/>
+                <a16:creationId xmlns:a16="http://schemas.microsoft.com/office/drawing/2014/main" id="{F4A773F3-9B8E-6B73-4067-930C76E7E058}"/>
               </a:ext>
             </a:extLst>
           </p:cNvPr>
           <p:cNvPicPr>
-            <a:picLocks noChangeAspect="1"/>
+            <a:picLocks noChangeAspect="1" noChangeArrowheads="1"/>
           </p:cNvPicPr>
           <p:nvPr/>
         </p:nvPicPr>
         <p:blipFill rotWithShape="1">
-          <a:blip r:embed="rId3"/>
-          <a:srcRect l="33614" r="14108"/>
+          <a:blip r:embed="rId3">
+            <a:extLst>
+              <a:ext uri="{28A0092B-C50C-407E-A947-70E740481C1C}">
+                <a14:useLocalDpi xmlns:a14="http://schemas.microsoft.com/office/drawing/2010/main" val="0"/>
+              </a:ext>
+            </a:extLst>
+          </a:blip>
+          <a:srcRect l="26028" r="20548"/>
           <a:stretch/>
         </p:blipFill>
-        <p:spPr>
+        <p:spPr bwMode="auto">
           <a:xfrm>
-            <a:off x="4901908" y="743283"/>
-            <a:ext cx="4177924" cy="4328894"/>
+            <a:off x="4614579" y="669478"/>
+            <a:ext cx="4529421" cy="4239072"/>
           </a:xfrm>
           <a:prstGeom prst="rect">
             <a:avLst/>
           </a:prstGeom>
+          <a:noFill/>
+          <a:extLst>
+            <a:ext uri="{909E8E84-426E-40DD-AFC4-6F175D3DCCD1}">
+              <a14:hiddenFill xmlns:a14="http://schemas.microsoft.com/office/drawing/2010/main">
+                <a:solidFill>
+                  <a:srgbClr val="FFFFFF"/>
+                </a:solidFill>
+              </a14:hiddenFill>
+            </a:ext>
+          </a:extLst>
         </p:spPr>
       </p:pic>
     </p:spTree>
@@ -7827,36 +7965,6 @@
           </a:p>
         </p:txBody>
       </p:sp>
-      <p:pic>
-        <p:nvPicPr>
-          <p:cNvPr id="4" name="Picture 3">
-            <a:extLst>
-              <a:ext uri="{FF2B5EF4-FFF2-40B4-BE49-F238E27FC236}">
-                <a16:creationId xmlns:a16="http://schemas.microsoft.com/office/drawing/2014/main" id="{77F22E60-B9E2-44D7-B425-9AE85EDEE7A9}"/>
-              </a:ext>
-            </a:extLst>
-          </p:cNvPr>
-          <p:cNvPicPr>
-            <a:picLocks noChangeAspect="1"/>
-          </p:cNvPicPr>
-          <p:nvPr/>
-        </p:nvPicPr>
-        <p:blipFill>
-          <a:blip r:embed="rId3"/>
-          <a:stretch>
-            <a:fillRect/>
-          </a:stretch>
-        </p:blipFill>
-        <p:spPr>
-          <a:xfrm>
-            <a:off x="0" y="746897"/>
-            <a:ext cx="2268651" cy="3143090"/>
-          </a:xfrm>
-          <a:prstGeom prst="rect">
-            <a:avLst/>
-          </a:prstGeom>
-        </p:spPr>
-      </p:pic>
       <p:sp>
         <p:nvSpPr>
           <p:cNvPr id="10" name="TextBox 9">
@@ -7871,8 +7979,8 @@
         </p:nvSpPr>
         <p:spPr>
           <a:xfrm>
-            <a:off x="2767263" y="961572"/>
-            <a:ext cx="5395281" cy="3271537"/>
+            <a:off x="471055" y="746897"/>
+            <a:ext cx="8342077" cy="2980624"/>
           </a:xfrm>
           <a:prstGeom prst="rect">
             <a:avLst/>
@@ -7899,24 +8007,26 @@
             </a:pPr>
             <a:r>
               <a:rPr lang="es-MX" sz="1800" dirty="0">
+                <a:solidFill>
+                  <a:srgbClr val="000000"/>
+                </a:solidFill>
                 <a:latin typeface="72" panose="020B0503030000000003" pitchFamily="34" charset="0"/>
                 <a:cs typeface="72" panose="020B0503030000000003" pitchFamily="34" charset="0"/>
               </a:rPr>
-              <a:t>Visualizador de jugadores de fútbol del videojuego FIFA.</a:t>
+              <a:t>Los datos que procese tu programa deberán estar contenidos en un archivo de texto. Algunas ideas de fuentes de datos que puedes consultar están:</a:t>
             </a:r>
-          </a:p>
-          <a:p>
-            <a:pPr marL="0" lvl="0" indent="0" rtl="0">
+            <a:endParaRPr lang="es-MX" sz="1800" dirty="0">
+              <a:latin typeface="72" panose="020B0503030000000003" pitchFamily="34" charset="0"/>
+              <a:cs typeface="72" panose="020B0503030000000003" pitchFamily="34" charset="0"/>
+            </a:endParaRPr>
+          </a:p>
+          <a:p>
+            <a:pPr marL="285750" indent="-285750">
               <a:lnSpc>
                 <a:spcPct val="105000"/>
               </a:lnSpc>
-              <a:spcBef>
-                <a:spcPts val="0"/>
-              </a:spcBef>
-              <a:spcAft>
-                <a:spcPts val="0"/>
-              </a:spcAft>
-              <a:buNone/>
+              <a:buFont typeface="Arial" panose="020B0604020202020204" pitchFamily="34" charset="0"/>
+              <a:buChar char="•"/>
             </a:pPr>
             <a:endParaRPr lang="es-MX" sz="1800" dirty="0">
               <a:latin typeface="72" panose="020B0503030000000003" pitchFamily="34" charset="0"/>
@@ -7924,37 +8034,10 @@
             </a:endParaRPr>
           </a:p>
           <a:p>
-            <a:pPr marL="0" lvl="0" indent="0" rtl="0">
+            <a:pPr marL="285750" indent="-285750">
               <a:lnSpc>
                 <a:spcPct val="105000"/>
               </a:lnSpc>
-              <a:spcBef>
-                <a:spcPts val="0"/>
-              </a:spcBef>
-              <a:spcAft>
-                <a:spcPts val="0"/>
-              </a:spcAft>
-              <a:buNone/>
-            </a:pPr>
-            <a:r>
-              <a:rPr lang="es-MX" sz="1800" dirty="0">
-                <a:latin typeface="72" panose="020B0503030000000003" pitchFamily="34" charset="0"/>
-                <a:cs typeface="72" panose="020B0503030000000003" pitchFamily="34" charset="0"/>
-              </a:rPr>
-              <a:t>Los jugadores cuentan con atributos como:</a:t>
-            </a:r>
-          </a:p>
-          <a:p>
-            <a:pPr marL="285750" lvl="0" indent="-285750" rtl="0">
-              <a:lnSpc>
-                <a:spcPct val="105000"/>
-              </a:lnSpc>
-              <a:spcBef>
-                <a:spcPts val="0"/>
-              </a:spcBef>
-              <a:spcAft>
-                <a:spcPts val="0"/>
-              </a:spcAft>
               <a:buFont typeface="Arial" panose="020B0604020202020204" pitchFamily="34" charset="0"/>
               <a:buChar char="•"/>
             </a:pPr>
@@ -7963,7 +8046,22 @@
                 <a:latin typeface="72" panose="020B0503030000000003" pitchFamily="34" charset="0"/>
                 <a:cs typeface="72" panose="020B0503030000000003" pitchFamily="34" charset="0"/>
               </a:rPr>
-              <a:t>Nombre</a:t>
+              <a:t>Kaggle.com (</a:t>
+            </a:r>
+            <a:r>
+              <a:rPr lang="es-MX" sz="1800" dirty="0">
+                <a:latin typeface="72" panose="020B0503030000000003" pitchFamily="34" charset="0"/>
+                <a:cs typeface="72" panose="020B0503030000000003" pitchFamily="34" charset="0"/>
+                <a:hlinkClick r:id="rId3"/>
+              </a:rPr>
+              <a:t>https://www.kaggle.com</a:t>
+            </a:r>
+            <a:r>
+              <a:rPr lang="es-MX" sz="1800" dirty="0">
+                <a:latin typeface="72" panose="020B0503030000000003" pitchFamily="34" charset="0"/>
+                <a:cs typeface="72" panose="020B0503030000000003" pitchFamily="34" charset="0"/>
+              </a:rPr>
+              <a:t>)</a:t>
             </a:r>
           </a:p>
           <a:p>
@@ -7985,7 +8083,22 @@
                 <a:latin typeface="72" panose="020B0503030000000003" pitchFamily="34" charset="0"/>
                 <a:cs typeface="72" panose="020B0503030000000003" pitchFamily="34" charset="0"/>
               </a:rPr>
-              <a:t>Calificación</a:t>
+              <a:t>INEGI (</a:t>
+            </a:r>
+            <a:r>
+              <a:rPr lang="es-MX" sz="1800" dirty="0">
+                <a:latin typeface="72" panose="020B0503030000000003" pitchFamily="34" charset="0"/>
+                <a:cs typeface="72" panose="020B0503030000000003" pitchFamily="34" charset="0"/>
+                <a:hlinkClick r:id="rId4"/>
+              </a:rPr>
+              <a:t>https://www.inegi.org.mx</a:t>
+            </a:r>
+            <a:r>
+              <a:rPr lang="es-MX" sz="1800" dirty="0">
+                <a:latin typeface="72" panose="020B0503030000000003" pitchFamily="34" charset="0"/>
+                <a:cs typeface="72" panose="020B0503030000000003" pitchFamily="34" charset="0"/>
+              </a:rPr>
+              <a:t>)</a:t>
             </a:r>
           </a:p>
           <a:p>
@@ -8007,11 +8120,26 @@
                 <a:latin typeface="72" panose="020B0503030000000003" pitchFamily="34" charset="0"/>
                 <a:cs typeface="72" panose="020B0503030000000003" pitchFamily="34" charset="0"/>
               </a:rPr>
-              <a:t>Posición preferida</a:t>
+              <a:t>Data.gov (</a:t>
             </a:r>
-          </a:p>
-          <a:p>
-            <a:pPr marL="285750" lvl="0" indent="-285750" rtl="0">
+            <a:r>
+              <a:rPr lang="es-MX" sz="1800" dirty="0">
+                <a:latin typeface="72" panose="020B0503030000000003" pitchFamily="34" charset="0"/>
+                <a:cs typeface="72" panose="020B0503030000000003" pitchFamily="34" charset="0"/>
+                <a:hlinkClick r:id="rId5"/>
+              </a:rPr>
+              <a:t>https://catalog.data.gov/dataset</a:t>
+            </a:r>
+            <a:r>
+              <a:rPr lang="es-MX" sz="1800" dirty="0">
+                <a:latin typeface="72" panose="020B0503030000000003" pitchFamily="34" charset="0"/>
+                <a:cs typeface="72" panose="020B0503030000000003" pitchFamily="34" charset="0"/>
+              </a:rPr>
+              <a:t>)</a:t>
+            </a:r>
+          </a:p>
+          <a:p>
+            <a:pPr lvl="0" rtl="0">
               <a:lnSpc>
                 <a:spcPct val="105000"/>
               </a:lnSpc>
@@ -8021,37 +8149,30 @@
               <a:spcAft>
                 <a:spcPts val="0"/>
               </a:spcAft>
-              <a:buFont typeface="Arial" panose="020B0604020202020204" pitchFamily="34" charset="0"/>
-              <a:buChar char="•"/>
+            </a:pPr>
+            <a:endParaRPr lang="es-MX" sz="1800" dirty="0">
+              <a:latin typeface="72" panose="020B0503030000000003" pitchFamily="34" charset="0"/>
+              <a:cs typeface="72" panose="020B0503030000000003" pitchFamily="34" charset="0"/>
+            </a:endParaRPr>
+          </a:p>
+          <a:p>
+            <a:pPr lvl="0" rtl="0">
+              <a:lnSpc>
+                <a:spcPct val="105000"/>
+              </a:lnSpc>
+              <a:spcBef>
+                <a:spcPts val="0"/>
+              </a:spcBef>
+              <a:spcAft>
+                <a:spcPts val="0"/>
+              </a:spcAft>
             </a:pPr>
             <a:r>
               <a:rPr lang="es-MX" sz="1800" dirty="0">
                 <a:latin typeface="72" panose="020B0503030000000003" pitchFamily="34" charset="0"/>
                 <a:cs typeface="72" panose="020B0503030000000003" pitchFamily="34" charset="0"/>
               </a:rPr>
-              <a:t>País de origen</a:t>
-            </a:r>
-          </a:p>
-          <a:p>
-            <a:pPr marL="285750" lvl="0" indent="-285750" rtl="0">
-              <a:lnSpc>
-                <a:spcPct val="105000"/>
-              </a:lnSpc>
-              <a:spcBef>
-                <a:spcPts val="0"/>
-              </a:spcBef>
-              <a:spcAft>
-                <a:spcPts val="0"/>
-              </a:spcAft>
-              <a:buFont typeface="Arial" panose="020B0604020202020204" pitchFamily="34" charset="0"/>
-              <a:buChar char="•"/>
-            </a:pPr>
-            <a:r>
-              <a:rPr lang="es-MX" sz="1800" dirty="0">
-                <a:latin typeface="72" panose="020B0503030000000003" pitchFamily="34" charset="0"/>
-                <a:cs typeface="72" panose="020B0503030000000003" pitchFamily="34" charset="0"/>
-              </a:rPr>
-              <a:t>Equipo al que pertenece</a:t>
+              <a:t>Como mínimo, la fuente de datos que utilices para el proyecto debe tener 300 líneas.</a:t>
             </a:r>
           </a:p>
           <a:p>
@@ -8073,31 +8194,12 @@
               <a:cs typeface="72" panose="020B0503030000000003" pitchFamily="34" charset="0"/>
             </a:endParaRPr>
           </a:p>
-          <a:p>
-            <a:pPr marL="285750" lvl="0" indent="-285750" rtl="0">
-              <a:lnSpc>
-                <a:spcPct val="105000"/>
-              </a:lnSpc>
-              <a:spcBef>
-                <a:spcPts val="0"/>
-              </a:spcBef>
-              <a:spcAft>
-                <a:spcPts val="0"/>
-              </a:spcAft>
-              <a:buFont typeface="Arial" panose="020B0604020202020204" pitchFamily="34" charset="0"/>
-              <a:buChar char="•"/>
-            </a:pPr>
-            <a:endParaRPr lang="es-MX" sz="1800" dirty="0">
-              <a:latin typeface="72" panose="020B0503030000000003" pitchFamily="34" charset="0"/>
-              <a:cs typeface="72" panose="020B0503030000000003" pitchFamily="34" charset="0"/>
-            </a:endParaRPr>
-          </a:p>
         </p:txBody>
       </p:sp>
     </p:spTree>
     <p:extLst>
       <p:ext uri="{BB962C8B-B14F-4D97-AF65-F5344CB8AC3E}">
-        <p14:creationId xmlns:p14="http://schemas.microsoft.com/office/powerpoint/2010/main" val="21466607"/>
+        <p14:creationId xmlns:p14="http://schemas.microsoft.com/office/powerpoint/2010/main" val="4075724118"/>
       </p:ext>
     </p:extLst>
   </p:cSld>
@@ -8173,66 +8275,6 @@
           </a:p>
         </p:txBody>
       </p:sp>
-      <p:pic>
-        <p:nvPicPr>
-          <p:cNvPr id="4" name="Picture 3">
-            <a:extLst>
-              <a:ext uri="{FF2B5EF4-FFF2-40B4-BE49-F238E27FC236}">
-                <a16:creationId xmlns:a16="http://schemas.microsoft.com/office/drawing/2014/main" id="{77F22E60-B9E2-44D7-B425-9AE85EDEE7A9}"/>
-              </a:ext>
-            </a:extLst>
-          </p:cNvPr>
-          <p:cNvPicPr>
-            <a:picLocks noChangeAspect="1"/>
-          </p:cNvPicPr>
-          <p:nvPr/>
-        </p:nvPicPr>
-        <p:blipFill>
-          <a:blip r:embed="rId3"/>
-          <a:stretch>
-            <a:fillRect/>
-          </a:stretch>
-        </p:blipFill>
-        <p:spPr>
-          <a:xfrm>
-            <a:off x="0" y="746897"/>
-            <a:ext cx="2268651" cy="3143090"/>
-          </a:xfrm>
-          <a:prstGeom prst="rect">
-            <a:avLst/>
-          </a:prstGeom>
-        </p:spPr>
-      </p:pic>
-      <p:pic>
-        <p:nvPicPr>
-          <p:cNvPr id="6" name="Picture 5" descr="Graphical user interface, text, application&#10;&#10;Description automatically generated">
-            <a:extLst>
-              <a:ext uri="{FF2B5EF4-FFF2-40B4-BE49-F238E27FC236}">
-                <a16:creationId xmlns:a16="http://schemas.microsoft.com/office/drawing/2014/main" id="{B4203204-01FA-4B34-8955-F3B184EC5E61}"/>
-              </a:ext>
-            </a:extLst>
-          </p:cNvPr>
-          <p:cNvPicPr>
-            <a:picLocks noChangeAspect="1"/>
-          </p:cNvPicPr>
-          <p:nvPr/>
-        </p:nvPicPr>
-        <p:blipFill>
-          <a:blip r:embed="rId4"/>
-          <a:stretch>
-            <a:fillRect/>
-          </a:stretch>
-        </p:blipFill>
-        <p:spPr>
-          <a:xfrm>
-            <a:off x="2631027" y="2718970"/>
-            <a:ext cx="4786443" cy="1692331"/>
-          </a:xfrm>
-          <a:prstGeom prst="rect">
-            <a:avLst/>
-          </a:prstGeom>
-        </p:spPr>
-      </p:pic>
       <p:sp>
         <p:nvSpPr>
           <p:cNvPr id="10" name="TextBox 9">
@@ -8247,8 +8289,8 @@
         </p:nvSpPr>
         <p:spPr>
           <a:xfrm>
-            <a:off x="2268651" y="746897"/>
-            <a:ext cx="6544481" cy="1526444"/>
+            <a:off x="471055" y="746897"/>
+            <a:ext cx="8342077" cy="1526380"/>
           </a:xfrm>
           <a:prstGeom prst="rect">
             <a:avLst/>
@@ -8261,7 +8303,7 @@
           </a:bodyPr>
           <a:lstStyle/>
           <a:p>
-            <a:pPr marL="0" lvl="0" indent="0" rtl="0">
+            <a:pPr marL="285750" lvl="0" indent="-285750" rtl="0">
               <a:lnSpc>
                 <a:spcPct val="105000"/>
               </a:lnSpc>
@@ -8271,7 +8313,8 @@
               <a:spcAft>
                 <a:spcPts val="0"/>
               </a:spcAft>
-              <a:buNone/>
+              <a:buFont typeface="Arial" panose="020B0604020202020204" pitchFamily="34" charset="0"/>
+              <a:buChar char="•"/>
             </a:pPr>
             <a:r>
               <a:rPr lang="es-MX" sz="1800" dirty="0">
@@ -8281,11 +8324,11 @@
                 <a:latin typeface="72" panose="020B0503030000000003" pitchFamily="34" charset="0"/>
                 <a:cs typeface="72" panose="020B0503030000000003" pitchFamily="34" charset="0"/>
               </a:rPr>
-              <a:t>Los datos cargados en la pantalla deberán ser leídos de memoria persistente. Para esto, podemos utilizar archivos de texto.</a:t>
+              <a:t>El programa deberá permitir al usuario elegir la fuente de datos a utilizar a través de un archivo de texto</a:t>
             </a:r>
           </a:p>
           <a:p>
-            <a:pPr marL="0" lvl="0" indent="0" rtl="0">
+            <a:pPr marL="285750" lvl="0" indent="-285750" rtl="0">
               <a:lnSpc>
                 <a:spcPct val="105000"/>
               </a:lnSpc>
@@ -8295,71 +8338,89 @@
               <a:spcAft>
                 <a:spcPts val="0"/>
               </a:spcAft>
-              <a:buNone/>
-            </a:pPr>
-            <a:endParaRPr lang="es-MX" sz="1800" dirty="0">
-              <a:solidFill>
-                <a:srgbClr val="000000"/>
-              </a:solidFill>
-              <a:latin typeface="72" panose="020B0503030000000003" pitchFamily="34" charset="0"/>
-              <a:cs typeface="72" panose="020B0503030000000003" pitchFamily="34" charset="0"/>
-            </a:endParaRPr>
-          </a:p>
-          <a:p>
-            <a:pPr marL="0" lvl="0" indent="0" rtl="0">
-              <a:lnSpc>
-                <a:spcPct val="105000"/>
-              </a:lnSpc>
-              <a:spcBef>
-                <a:spcPts val="0"/>
-              </a:spcBef>
-              <a:spcAft>
-                <a:spcPts val="0"/>
-              </a:spcAft>
-              <a:buNone/>
+              <a:buFont typeface="Arial" panose="020B0604020202020204" pitchFamily="34" charset="0"/>
+              <a:buChar char="•"/>
             </a:pPr>
             <a:r>
               <a:rPr lang="es-MX" sz="1800" dirty="0">
                 <a:latin typeface="72" panose="020B0503030000000003" pitchFamily="34" charset="0"/>
                 <a:cs typeface="72" panose="020B0503030000000003" pitchFamily="34" charset="0"/>
               </a:rPr>
-              <a:t>Ejemplo: CSV (</a:t>
+              <a:t>Los resultados deberán ser calculados al momento. Si el archivo de fuente de datos cambia, los resultados deberán cambiar también.</a:t>
             </a:r>
-            <a:r>
-              <a:rPr lang="es-MX" sz="1800" dirty="0" err="1">
-                <a:latin typeface="72" panose="020B0503030000000003" pitchFamily="34" charset="0"/>
-                <a:cs typeface="72" panose="020B0503030000000003" pitchFamily="34" charset="0"/>
-              </a:rPr>
-              <a:t>comma-separated</a:t>
-            </a:r>
-            <a:r>
-              <a:rPr lang="es-MX" sz="1800" dirty="0">
-                <a:latin typeface="72" panose="020B0503030000000003" pitchFamily="34" charset="0"/>
-                <a:cs typeface="72" panose="020B0503030000000003" pitchFamily="34" charset="0"/>
-              </a:rPr>
-              <a:t> </a:t>
-            </a:r>
-            <a:r>
-              <a:rPr lang="es-MX" sz="1800" dirty="0" err="1">
-                <a:latin typeface="72" panose="020B0503030000000003" pitchFamily="34" charset="0"/>
-                <a:cs typeface="72" panose="020B0503030000000003" pitchFamily="34" charset="0"/>
-              </a:rPr>
-              <a:t>values</a:t>
-            </a:r>
-            <a:r>
-              <a:rPr lang="es-MX" sz="1800" dirty="0">
-                <a:latin typeface="72" panose="020B0503030000000003" pitchFamily="34" charset="0"/>
-                <a:cs typeface="72" panose="020B0503030000000003" pitchFamily="34" charset="0"/>
-              </a:rPr>
-              <a:t>)</a:t>
-            </a:r>
+          </a:p>
+          <a:p>
+            <a:pPr marL="285750" lvl="0" indent="-285750" rtl="0">
+              <a:lnSpc>
+                <a:spcPct val="105000"/>
+              </a:lnSpc>
+              <a:spcBef>
+                <a:spcPts val="0"/>
+              </a:spcBef>
+              <a:spcAft>
+                <a:spcPts val="0"/>
+              </a:spcAft>
+              <a:buFont typeface="Arial" panose="020B0604020202020204" pitchFamily="34" charset="0"/>
+              <a:buChar char="•"/>
+            </a:pPr>
+            <a:endParaRPr lang="es-MX" sz="1800" dirty="0">
+              <a:latin typeface="72" panose="020B0503030000000003" pitchFamily="34" charset="0"/>
+              <a:cs typeface="72" panose="020B0503030000000003" pitchFamily="34" charset="0"/>
+            </a:endParaRPr>
           </a:p>
         </p:txBody>
       </p:sp>
+      <p:pic>
+        <p:nvPicPr>
+          <p:cNvPr id="4100" name="Picture 4" descr="java - GUI dialog box that can accept user input as text or open a file to  process - Stack Overflow">
+            <a:extLst>
+              <a:ext uri="{FF2B5EF4-FFF2-40B4-BE49-F238E27FC236}">
+                <a16:creationId xmlns:a16="http://schemas.microsoft.com/office/drawing/2014/main" id="{09F83D25-4D22-5B41-414F-D239C87D7DFE}"/>
+              </a:ext>
+            </a:extLst>
+          </p:cNvPr>
+          <p:cNvPicPr>
+            <a:picLocks noChangeAspect="1" noChangeArrowheads="1"/>
+          </p:cNvPicPr>
+          <p:nvPr/>
+        </p:nvPicPr>
+        <p:blipFill>
+          <a:blip r:embed="rId3">
+            <a:extLst>
+              <a:ext uri="{28A0092B-C50C-407E-A947-70E740481C1C}">
+                <a14:useLocalDpi xmlns:a14="http://schemas.microsoft.com/office/drawing/2010/main" val="0"/>
+              </a:ext>
+            </a:extLst>
+          </a:blip>
+          <a:srcRect/>
+          <a:stretch>
+            <a:fillRect/>
+          </a:stretch>
+        </p:blipFill>
+        <p:spPr bwMode="auto">
+          <a:xfrm>
+            <a:off x="571013" y="2273277"/>
+            <a:ext cx="4352850" cy="2611710"/>
+          </a:xfrm>
+          <a:prstGeom prst="rect">
+            <a:avLst/>
+          </a:prstGeom>
+          <a:noFill/>
+          <a:extLst>
+            <a:ext uri="{909E8E84-426E-40DD-AFC4-6F175D3DCCD1}">
+              <a14:hiddenFill xmlns:a14="http://schemas.microsoft.com/office/drawing/2010/main">
+                <a:solidFill>
+                  <a:srgbClr val="FFFFFF"/>
+                </a:solidFill>
+              </a14:hiddenFill>
+            </a:ext>
+          </a:extLst>
+        </p:spPr>
+      </p:pic>
     </p:spTree>
     <p:extLst>
       <p:ext uri="{BB962C8B-B14F-4D97-AF65-F5344CB8AC3E}">
-        <p14:creationId xmlns:p14="http://schemas.microsoft.com/office/powerpoint/2010/main" val="4075724118"/>
+        <p14:creationId xmlns:p14="http://schemas.microsoft.com/office/powerpoint/2010/main" val="3924904567"/>
       </p:ext>
     </p:extLst>
   </p:cSld>
@@ -8372,14 +8433,6 @@
 <file path=ppt/slides/slide6.xml><?xml version="1.0" encoding="utf-8"?>
 <p:sld xmlns:a="http://schemas.openxmlformats.org/drawingml/2006/main" xmlns:r="http://schemas.openxmlformats.org/officeDocument/2006/relationships" xmlns:p="http://schemas.openxmlformats.org/presentationml/2006/main">
   <p:cSld>
-    <p:bg>
-      <p:bgPr>
-        <a:solidFill>
-          <a:schemeClr val="dk1"/>
-        </a:solidFill>
-        <a:effectLst/>
-      </p:bgPr>
-    </p:bg>
     <p:spTree>
       <p:nvGrpSpPr>
         <p:cNvPr id="1" name="Shape 78"/>
@@ -8430,17 +8483,105 @@
             </a:pPr>
             <a:r>
               <a:rPr lang="es-MX" sz="3900" dirty="0"/>
-              <a:t>¿En qué consiste el proyecto?</a:t>
+              <a:t>Ejemplo #1 </a:t>
             </a:r>
+          </a:p>
+        </p:txBody>
+      </p:sp>
+      <p:sp>
+        <p:nvSpPr>
+          <p:cNvPr id="10" name="TextBox 9">
+            <a:extLst>
+              <a:ext uri="{FF2B5EF4-FFF2-40B4-BE49-F238E27FC236}">
+                <a16:creationId xmlns:a16="http://schemas.microsoft.com/office/drawing/2014/main" id="{E8546A64-AB0B-41DD-A3ED-FAB9AF1536B0}"/>
+              </a:ext>
+            </a:extLst>
+          </p:cNvPr>
+          <p:cNvSpPr txBox="1"/>
+          <p:nvPr/>
+        </p:nvSpPr>
+        <p:spPr>
+          <a:xfrm>
+            <a:off x="98250" y="836312"/>
+            <a:ext cx="8494605" cy="1235531"/>
+          </a:xfrm>
+          <a:prstGeom prst="rect">
+            <a:avLst/>
+          </a:prstGeom>
+          <a:noFill/>
+        </p:spPr>
+        <p:txBody>
+          <a:bodyPr wrap="square">
+            <a:spAutoFit/>
+          </a:bodyPr>
+          <a:lstStyle/>
+          <a:p>
+            <a:pPr marL="0" lvl="0" indent="0" rtl="0">
+              <a:lnSpc>
+                <a:spcPct val="105000"/>
+              </a:lnSpc>
+              <a:spcBef>
+                <a:spcPts val="0"/>
+              </a:spcBef>
+              <a:spcAft>
+                <a:spcPts val="0"/>
+              </a:spcAft>
+              <a:buNone/>
+            </a:pPr>
+            <a:r>
+              <a:rPr lang="es-MX" sz="1800" dirty="0">
+                <a:latin typeface="72" panose="020B0503030000000003" pitchFamily="34" charset="0"/>
+                <a:cs typeface="72" panose="020B0503030000000003" pitchFamily="34" charset="0"/>
+              </a:rPr>
+              <a:t>Programa que sirva para determinar el campeón del torneo de la Liga Premier de Inglaterra</a:t>
+            </a:r>
+          </a:p>
+          <a:p>
+            <a:pPr marL="285750" lvl="0" indent="-285750" rtl="0">
+              <a:lnSpc>
+                <a:spcPct val="105000"/>
+              </a:lnSpc>
+              <a:spcBef>
+                <a:spcPts val="0"/>
+              </a:spcBef>
+              <a:spcAft>
+                <a:spcPts val="0"/>
+              </a:spcAft>
+              <a:buFont typeface="Arial" panose="020B0604020202020204" pitchFamily="34" charset="0"/>
+              <a:buChar char="•"/>
+            </a:pPr>
+            <a:endParaRPr lang="es-MX" sz="1800" dirty="0">
+              <a:latin typeface="72" panose="020B0503030000000003" pitchFamily="34" charset="0"/>
+              <a:cs typeface="72" panose="020B0503030000000003" pitchFamily="34" charset="0"/>
+            </a:endParaRPr>
+          </a:p>
+          <a:p>
+            <a:pPr marL="285750" lvl="0" indent="-285750" rtl="0">
+              <a:lnSpc>
+                <a:spcPct val="105000"/>
+              </a:lnSpc>
+              <a:spcBef>
+                <a:spcPts val="0"/>
+              </a:spcBef>
+              <a:spcAft>
+                <a:spcPts val="0"/>
+              </a:spcAft>
+              <a:buFont typeface="Arial" panose="020B0604020202020204" pitchFamily="34" charset="0"/>
+              <a:buChar char="•"/>
+            </a:pPr>
+            <a:endParaRPr lang="es-MX" sz="1800" dirty="0">
+              <a:latin typeface="72" panose="020B0503030000000003" pitchFamily="34" charset="0"/>
+              <a:cs typeface="72" panose="020B0503030000000003" pitchFamily="34" charset="0"/>
+            </a:endParaRPr>
           </a:p>
         </p:txBody>
       </p:sp>
       <p:pic>
         <p:nvPicPr>
-          <p:cNvPr id="4" name="Picture 3">
+          <p:cNvPr id="2" name="Picture 1">
             <a:extLst>
               <a:ext uri="{FF2B5EF4-FFF2-40B4-BE49-F238E27FC236}">
-                <a16:creationId xmlns:a16="http://schemas.microsoft.com/office/drawing/2014/main" id="{77F22E60-B9E2-44D7-B425-9AE85EDEE7A9}"/>
+                <a16:creationId xmlns:a16="http://schemas.microsoft.com/office/drawing/2014/main" id="{FE540FA5-02D5-4415-906A-F6BA63FD0801}"/>
               </a:ext>
             </a:extLst>
           </p:cNvPr>
@@ -8457,8 +8598,8 @@
         </p:blipFill>
         <p:spPr>
           <a:xfrm>
-            <a:off x="0" y="743963"/>
-            <a:ext cx="2268651" cy="3143090"/>
+            <a:off x="191717" y="1540700"/>
+            <a:ext cx="4491635" cy="3026601"/>
           </a:xfrm>
           <a:prstGeom prst="rect">
             <a:avLst/>
@@ -8467,10 +8608,10 @@
       </p:pic>
       <p:sp>
         <p:nvSpPr>
-          <p:cNvPr id="10" name="TextBox 9">
+          <p:cNvPr id="3" name="TextBox 2">
             <a:extLst>
               <a:ext uri="{FF2B5EF4-FFF2-40B4-BE49-F238E27FC236}">
-                <a16:creationId xmlns:a16="http://schemas.microsoft.com/office/drawing/2014/main" id="{E8546A64-AB0B-41DD-A3ED-FAB9AF1536B0}"/>
+                <a16:creationId xmlns:a16="http://schemas.microsoft.com/office/drawing/2014/main" id="{922E56BF-5801-1311-7209-C19B259D8E92}"/>
               </a:ext>
             </a:extLst>
           </p:cNvPr>
@@ -8479,8 +8620,8 @@
         </p:nvSpPr>
         <p:spPr>
           <a:xfrm>
-            <a:off x="2268651" y="743963"/>
-            <a:ext cx="6532449" cy="944746"/>
+            <a:off x="5033818" y="1874982"/>
+            <a:ext cx="3325091" cy="2031325"/>
           </a:xfrm>
           <a:prstGeom prst="rect">
             <a:avLst/>
@@ -8488,1191 +8629,58 @@
           <a:noFill/>
         </p:spPr>
         <p:txBody>
-          <a:bodyPr wrap="square">
+          <a:bodyPr wrap="square" rtlCol="0">
             <a:spAutoFit/>
           </a:bodyPr>
           <a:lstStyle/>
           <a:p>
-            <a:pPr marL="0" lvl="0" indent="0" rtl="0">
-              <a:lnSpc>
-                <a:spcPct val="105000"/>
-              </a:lnSpc>
-              <a:spcBef>
-                <a:spcPts val="0"/>
-              </a:spcBef>
-              <a:spcAft>
-                <a:spcPts val="0"/>
-              </a:spcAft>
-              <a:buNone/>
-            </a:pPr>
             <a:r>
-              <a:rPr lang="es-MX" sz="1800" dirty="0">
-                <a:solidFill>
-                  <a:srgbClr val="000000"/>
-                </a:solidFill>
-                <a:latin typeface="72" panose="020B0503030000000003" pitchFamily="34" charset="0"/>
-                <a:cs typeface="72" panose="020B0503030000000003" pitchFamily="34" charset="0"/>
-              </a:rPr>
-              <a:t>Tambi</a:t>
+              <a:rPr lang="en-MX" dirty="0"/>
+              <a:t>Equipo campeon:</a:t>
             </a:r>
+          </a:p>
+          <a:p>
             <a:r>
-              <a:rPr lang="es-MX" sz="1800" dirty="0">
-                <a:latin typeface="72" panose="020B0503030000000003" pitchFamily="34" charset="0"/>
-                <a:cs typeface="72" panose="020B0503030000000003" pitchFamily="34" charset="0"/>
-              </a:rPr>
-              <a:t>én pueden utilizar archivos de datos estructurados como </a:t>
+              <a:rPr lang="en-MX" dirty="0"/>
+              <a:t>Man City</a:t>
             </a:r>
+          </a:p>
+          <a:p>
+            <a:endParaRPr lang="en-MX" dirty="0"/>
+          </a:p>
+          <a:p>
             <a:r>
-              <a:rPr lang="es-MX" sz="1800" dirty="0" err="1">
-                <a:latin typeface="72" panose="020B0503030000000003" pitchFamily="34" charset="0"/>
-                <a:cs typeface="72" panose="020B0503030000000003" pitchFamily="34" charset="0"/>
-              </a:rPr>
-              <a:t>JSONs</a:t>
+              <a:rPr lang="en-MX" dirty="0"/>
+              <a:t>Equipo con mas goles:</a:t>
             </a:r>
+          </a:p>
+          <a:p>
             <a:r>
-              <a:rPr lang="es-MX" sz="1800" dirty="0">
-                <a:latin typeface="72" panose="020B0503030000000003" pitchFamily="34" charset="0"/>
-                <a:cs typeface="72" panose="020B0503030000000003" pitchFamily="34" charset="0"/>
-              </a:rPr>
-              <a:t> o </a:t>
+              <a:rPr lang="en-MX" dirty="0"/>
+              <a:t>Chelsea</a:t>
             </a:r>
+          </a:p>
+          <a:p>
+            <a:endParaRPr lang="en-MX" dirty="0"/>
+          </a:p>
+          <a:p>
             <a:r>
-              <a:rPr lang="es-MX" sz="1800" dirty="0" err="1">
-                <a:latin typeface="72" panose="020B0503030000000003" pitchFamily="34" charset="0"/>
-                <a:cs typeface="72" panose="020B0503030000000003" pitchFamily="34" charset="0"/>
-              </a:rPr>
-              <a:t>XMLs</a:t>
+              <a:rPr lang="en-MX" dirty="0"/>
+              <a:t>Equipo con mas juegos ganados de local:</a:t>
             </a:r>
+          </a:p>
+          <a:p>
             <a:r>
-              <a:rPr lang="es-MX" sz="1800" dirty="0">
-                <a:latin typeface="72" panose="020B0503030000000003" pitchFamily="34" charset="0"/>
-                <a:cs typeface="72" panose="020B0503030000000003" pitchFamily="34" charset="0"/>
-              </a:rPr>
-              <a:t> (investigación por su cuenta), o archivos binarios (ver presentación M04: Archivos_IO.pptx).</a:t>
+              <a:rPr lang="en-MX" dirty="0"/>
+              <a:t>Fulham</a:t>
             </a:r>
-            <a:endParaRPr lang="es-MX" sz="1800" dirty="0">
-              <a:solidFill>
-                <a:srgbClr val="000000"/>
-              </a:solidFill>
-              <a:latin typeface="72" panose="020B0503030000000003" pitchFamily="34" charset="0"/>
-              <a:cs typeface="72" panose="020B0503030000000003" pitchFamily="34" charset="0"/>
-            </a:endParaRPr>
           </a:p>
         </p:txBody>
       </p:sp>
-      <p:pic>
-        <p:nvPicPr>
-          <p:cNvPr id="3" name="Picture 2">
-            <a:extLst>
-              <a:ext uri="{FF2B5EF4-FFF2-40B4-BE49-F238E27FC236}">
-                <a16:creationId xmlns:a16="http://schemas.microsoft.com/office/drawing/2014/main" id="{D71AA83B-C301-4AC0-9BEF-FD4C4E5F31CD}"/>
-              </a:ext>
-            </a:extLst>
-          </p:cNvPr>
-          <p:cNvPicPr>
-            <a:picLocks noChangeAspect="1"/>
-          </p:cNvPicPr>
-          <p:nvPr/>
-        </p:nvPicPr>
-        <p:blipFill>
-          <a:blip r:embed="rId4"/>
-          <a:stretch>
-            <a:fillRect/>
-          </a:stretch>
-        </p:blipFill>
-        <p:spPr>
-          <a:xfrm>
-            <a:off x="2558652" y="2153082"/>
-            <a:ext cx="3905795" cy="2095792"/>
-          </a:xfrm>
-          <a:prstGeom prst="rect">
-            <a:avLst/>
-          </a:prstGeom>
-        </p:spPr>
-      </p:pic>
     </p:spTree>
     <p:extLst>
       <p:ext uri="{BB962C8B-B14F-4D97-AF65-F5344CB8AC3E}">
-        <p14:creationId xmlns:p14="http://schemas.microsoft.com/office/powerpoint/2010/main" val="800839446"/>
-      </p:ext>
-    </p:extLst>
-  </p:cSld>
-  <p:clrMapOvr>
-    <a:masterClrMapping/>
-  </p:clrMapOvr>
-</p:sld>
-</file>
-
-<file path=ppt/slides/slide7.xml><?xml version="1.0" encoding="utf-8"?>
-<p:sld xmlns:a="http://schemas.openxmlformats.org/drawingml/2006/main" xmlns:r="http://schemas.openxmlformats.org/officeDocument/2006/relationships" xmlns:p="http://schemas.openxmlformats.org/presentationml/2006/main">
-  <p:cSld>
-    <p:spTree>
-      <p:nvGrpSpPr>
-        <p:cNvPr id="1" name=""/>
-        <p:cNvGrpSpPr/>
-        <p:nvPr/>
-      </p:nvGrpSpPr>
-      <p:grpSpPr>
-        <a:xfrm>
-          <a:off x="0" y="0"/>
-          <a:ext cx="0" cy="0"/>
-          <a:chOff x="0" y="0"/>
-          <a:chExt cx="0" cy="0"/>
-        </a:xfrm>
-      </p:grpSpPr>
-      <p:sp>
-        <p:nvSpPr>
-          <p:cNvPr id="8" name="Rectangle 7">
-            <a:extLst>
-              <a:ext uri="{FF2B5EF4-FFF2-40B4-BE49-F238E27FC236}">
-                <a16:creationId xmlns:a16="http://schemas.microsoft.com/office/drawing/2014/main" id="{9D3B2201-3A58-426B-8312-96DB7471CCDE}"/>
-              </a:ext>
-            </a:extLst>
-          </p:cNvPr>
-          <p:cNvSpPr/>
-          <p:nvPr/>
-        </p:nvSpPr>
-        <p:spPr>
-          <a:xfrm>
-            <a:off x="0" y="-1"/>
-            <a:ext cx="3081865" cy="3276601"/>
-          </a:xfrm>
-          <a:prstGeom prst="rect">
-            <a:avLst/>
-          </a:prstGeom>
-          <a:solidFill>
-            <a:schemeClr val="tx1"/>
-          </a:solidFill>
-          <a:ln>
-            <a:solidFill>
-              <a:schemeClr val="tx1"/>
-            </a:solidFill>
-          </a:ln>
-        </p:spPr>
-        <p:style>
-          <a:lnRef idx="2">
-            <a:schemeClr val="accent1">
-              <a:shade val="50000"/>
-            </a:schemeClr>
-          </a:lnRef>
-          <a:fillRef idx="1">
-            <a:schemeClr val="accent1"/>
-          </a:fillRef>
-          <a:effectRef idx="0">
-            <a:schemeClr val="accent1"/>
-          </a:effectRef>
-          <a:fontRef idx="minor">
-            <a:schemeClr val="lt1"/>
-          </a:fontRef>
-        </p:style>
-        <p:txBody>
-          <a:bodyPr rtlCol="0" anchor="t"/>
-          <a:lstStyle/>
-          <a:p>
-            <a:pPr algn="ctr"/>
-            <a:r>
-              <a:rPr lang="en-US" sz="4000" b="1" dirty="0">
-                <a:solidFill>
-                  <a:schemeClr val="bg1"/>
-                </a:solidFill>
-                <a:latin typeface="72" panose="020B0503030000000003" pitchFamily="34" charset="0"/>
-                <a:cs typeface="72" panose="020B0503030000000003" pitchFamily="34" charset="0"/>
-              </a:rPr>
-              <a:t>1</a:t>
-            </a:r>
-            <a:endParaRPr lang="en-US" sz="2000" dirty="0">
-              <a:solidFill>
-                <a:schemeClr val="bg1"/>
-              </a:solidFill>
-              <a:latin typeface="72" panose="020B0503030000000003" pitchFamily="34" charset="0"/>
-              <a:cs typeface="72" panose="020B0503030000000003" pitchFamily="34" charset="0"/>
-            </a:endParaRPr>
-          </a:p>
-          <a:p>
-            <a:pPr algn="ctr"/>
-            <a:r>
-              <a:rPr lang="en-US" sz="1600" dirty="0">
-                <a:solidFill>
-                  <a:schemeClr val="bg1"/>
-                </a:solidFill>
-                <a:latin typeface="72" panose="020B0503030000000003" pitchFamily="34" charset="0"/>
-                <a:cs typeface="72" panose="020B0503030000000003" pitchFamily="34" charset="0"/>
-              </a:rPr>
-              <a:t>a) </a:t>
-            </a:r>
-            <a:r>
-              <a:rPr lang="en-US" sz="1600" dirty="0" err="1">
-                <a:solidFill>
-                  <a:schemeClr val="bg1"/>
-                </a:solidFill>
-                <a:latin typeface="72" panose="020B0503030000000003" pitchFamily="34" charset="0"/>
-                <a:cs typeface="72" panose="020B0503030000000003" pitchFamily="34" charset="0"/>
-              </a:rPr>
-              <a:t>Diseña</a:t>
-            </a:r>
-            <a:r>
-              <a:rPr lang="en-US" sz="1600" dirty="0">
-                <a:solidFill>
-                  <a:schemeClr val="bg1"/>
-                </a:solidFill>
-                <a:latin typeface="72" panose="020B0503030000000003" pitchFamily="34" charset="0"/>
-                <a:cs typeface="72" panose="020B0503030000000003" pitchFamily="34" charset="0"/>
-              </a:rPr>
-              <a:t> una </a:t>
-            </a:r>
-            <a:r>
-              <a:rPr lang="en-US" sz="1600" dirty="0" err="1">
-                <a:solidFill>
-                  <a:schemeClr val="bg1"/>
-                </a:solidFill>
-                <a:latin typeface="72" panose="020B0503030000000003" pitchFamily="34" charset="0"/>
-                <a:cs typeface="72" panose="020B0503030000000003" pitchFamily="34" charset="0"/>
-              </a:rPr>
-              <a:t>clase</a:t>
-            </a:r>
-            <a:r>
-              <a:rPr lang="en-US" sz="1600" dirty="0">
-                <a:solidFill>
-                  <a:schemeClr val="bg1"/>
-                </a:solidFill>
-                <a:latin typeface="72" panose="020B0503030000000003" pitchFamily="34" charset="0"/>
-                <a:cs typeface="72" panose="020B0503030000000003" pitchFamily="34" charset="0"/>
-              </a:rPr>
-              <a:t> para </a:t>
-            </a:r>
-            <a:r>
-              <a:rPr lang="en-US" sz="1600" dirty="0" err="1">
-                <a:solidFill>
-                  <a:schemeClr val="bg1"/>
-                </a:solidFill>
-                <a:latin typeface="72" panose="020B0503030000000003" pitchFamily="34" charset="0"/>
-                <a:cs typeface="72" panose="020B0503030000000003" pitchFamily="34" charset="0"/>
-              </a:rPr>
-              <a:t>representar</a:t>
-            </a:r>
-            <a:r>
-              <a:rPr lang="en-US" sz="1600" dirty="0">
-                <a:solidFill>
-                  <a:schemeClr val="bg1"/>
-                </a:solidFill>
-                <a:latin typeface="72" panose="020B0503030000000003" pitchFamily="34" charset="0"/>
-                <a:cs typeface="72" panose="020B0503030000000003" pitchFamily="34" charset="0"/>
-              </a:rPr>
-              <a:t> el </a:t>
-            </a:r>
-            <a:r>
-              <a:rPr lang="en-US" sz="1600" dirty="0" err="1">
-                <a:solidFill>
-                  <a:schemeClr val="bg1"/>
-                </a:solidFill>
-                <a:latin typeface="72" panose="020B0503030000000003" pitchFamily="34" charset="0"/>
-                <a:cs typeface="72" panose="020B0503030000000003" pitchFamily="34" charset="0"/>
-              </a:rPr>
-              <a:t>objeto</a:t>
-            </a:r>
-            <a:r>
-              <a:rPr lang="en-US" sz="1600" dirty="0">
-                <a:solidFill>
-                  <a:schemeClr val="bg1"/>
-                </a:solidFill>
-                <a:latin typeface="72" panose="020B0503030000000003" pitchFamily="34" charset="0"/>
-                <a:cs typeface="72" panose="020B0503030000000003" pitchFamily="34" charset="0"/>
-              </a:rPr>
-              <a:t> </a:t>
-            </a:r>
-            <a:r>
-              <a:rPr lang="en-US" sz="1600" dirty="0" err="1">
-                <a:solidFill>
-                  <a:schemeClr val="bg1"/>
-                </a:solidFill>
-                <a:latin typeface="72" panose="020B0503030000000003" pitchFamily="34" charset="0"/>
-                <a:cs typeface="72" panose="020B0503030000000003" pitchFamily="34" charset="0"/>
-              </a:rPr>
-              <a:t>elegido</a:t>
-            </a:r>
-            <a:r>
-              <a:rPr lang="en-US" sz="1600" dirty="0">
-                <a:solidFill>
-                  <a:schemeClr val="bg1"/>
-                </a:solidFill>
-                <a:latin typeface="72" panose="020B0503030000000003" pitchFamily="34" charset="0"/>
-                <a:cs typeface="72" panose="020B0503030000000003" pitchFamily="34" charset="0"/>
-              </a:rPr>
-              <a:t>. </a:t>
-            </a:r>
-            <a:r>
-              <a:rPr lang="en-US" sz="1600" dirty="0" err="1">
-                <a:solidFill>
-                  <a:schemeClr val="bg1"/>
-                </a:solidFill>
-                <a:latin typeface="72" panose="020B0503030000000003" pitchFamily="34" charset="0"/>
-                <a:cs typeface="72" panose="020B0503030000000003" pitchFamily="34" charset="0"/>
-              </a:rPr>
-              <a:t>Establece</a:t>
-            </a:r>
-            <a:r>
-              <a:rPr lang="en-US" sz="1600" dirty="0">
-                <a:solidFill>
-                  <a:schemeClr val="bg1"/>
-                </a:solidFill>
-                <a:latin typeface="72" panose="020B0503030000000003" pitchFamily="34" charset="0"/>
-                <a:cs typeface="72" panose="020B0503030000000003" pitchFamily="34" charset="0"/>
-              </a:rPr>
-              <a:t> los </a:t>
-            </a:r>
-            <a:r>
-              <a:rPr lang="en-US" sz="1600" dirty="0" err="1">
-                <a:solidFill>
-                  <a:schemeClr val="bg1"/>
-                </a:solidFill>
-                <a:latin typeface="72" panose="020B0503030000000003" pitchFamily="34" charset="0"/>
-                <a:cs typeface="72" panose="020B0503030000000003" pitchFamily="34" charset="0"/>
-              </a:rPr>
-              <a:t>atributos</a:t>
-            </a:r>
-            <a:r>
-              <a:rPr lang="en-US" sz="1600" dirty="0">
-                <a:solidFill>
-                  <a:schemeClr val="bg1"/>
-                </a:solidFill>
-                <a:latin typeface="72" panose="020B0503030000000003" pitchFamily="34" charset="0"/>
-                <a:cs typeface="72" panose="020B0503030000000003" pitchFamily="34" charset="0"/>
-              </a:rPr>
-              <a:t> y </a:t>
-            </a:r>
-            <a:r>
-              <a:rPr lang="en-US" sz="1600" dirty="0" err="1">
-                <a:solidFill>
-                  <a:schemeClr val="bg1"/>
-                </a:solidFill>
-                <a:latin typeface="72" panose="020B0503030000000003" pitchFamily="34" charset="0"/>
-                <a:cs typeface="72" panose="020B0503030000000003" pitchFamily="34" charset="0"/>
-              </a:rPr>
-              <a:t>métodos</a:t>
-            </a:r>
-            <a:r>
-              <a:rPr lang="en-US" sz="1600" dirty="0">
-                <a:solidFill>
-                  <a:schemeClr val="bg1"/>
-                </a:solidFill>
-                <a:latin typeface="72" panose="020B0503030000000003" pitchFamily="34" charset="0"/>
-                <a:cs typeface="72" panose="020B0503030000000003" pitchFamily="34" charset="0"/>
-              </a:rPr>
-              <a:t> </a:t>
-            </a:r>
-            <a:r>
-              <a:rPr lang="en-US" sz="1600" dirty="0" err="1">
-                <a:solidFill>
-                  <a:schemeClr val="bg1"/>
-                </a:solidFill>
-                <a:latin typeface="72" panose="020B0503030000000003" pitchFamily="34" charset="0"/>
-                <a:cs typeface="72" panose="020B0503030000000003" pitchFamily="34" charset="0"/>
-              </a:rPr>
-              <a:t>necesarios</a:t>
-            </a:r>
-            <a:r>
-              <a:rPr lang="en-US" sz="1600" dirty="0">
-                <a:solidFill>
-                  <a:schemeClr val="bg1"/>
-                </a:solidFill>
-                <a:latin typeface="72" panose="020B0503030000000003" pitchFamily="34" charset="0"/>
-                <a:cs typeface="72" panose="020B0503030000000003" pitchFamily="34" charset="0"/>
-              </a:rPr>
-              <a:t>.</a:t>
-            </a:r>
-          </a:p>
-          <a:p>
-            <a:pPr algn="ctr"/>
-            <a:br>
-              <a:rPr lang="en-US" sz="1600" dirty="0">
-                <a:solidFill>
-                  <a:schemeClr val="bg1"/>
-                </a:solidFill>
-                <a:latin typeface="72" panose="020B0503030000000003" pitchFamily="34" charset="0"/>
-                <a:cs typeface="72" panose="020B0503030000000003" pitchFamily="34" charset="0"/>
-              </a:rPr>
-            </a:br>
-            <a:r>
-              <a:rPr lang="en-US" sz="1600" dirty="0">
-                <a:solidFill>
-                  <a:schemeClr val="bg1"/>
-                </a:solidFill>
-                <a:latin typeface="72" panose="020B0503030000000003" pitchFamily="34" charset="0"/>
-                <a:cs typeface="72" panose="020B0503030000000003" pitchFamily="34" charset="0"/>
-              </a:rPr>
-              <a:t>b) Define el </a:t>
-            </a:r>
-            <a:r>
-              <a:rPr lang="en-US" sz="1600" dirty="0" err="1">
-                <a:solidFill>
-                  <a:schemeClr val="bg1"/>
-                </a:solidFill>
-                <a:latin typeface="72" panose="020B0503030000000003" pitchFamily="34" charset="0"/>
-                <a:cs typeface="72" panose="020B0503030000000003" pitchFamily="34" charset="0"/>
-              </a:rPr>
-              <a:t>alcance</a:t>
-            </a:r>
-            <a:r>
-              <a:rPr lang="en-US" sz="1600" dirty="0">
-                <a:solidFill>
-                  <a:schemeClr val="bg1"/>
-                </a:solidFill>
-                <a:latin typeface="72" panose="020B0503030000000003" pitchFamily="34" charset="0"/>
-                <a:cs typeface="72" panose="020B0503030000000003" pitchFamily="34" charset="0"/>
-              </a:rPr>
-              <a:t> del </a:t>
-            </a:r>
-            <a:r>
-              <a:rPr lang="en-US" sz="1600" dirty="0" err="1">
-                <a:solidFill>
-                  <a:schemeClr val="bg1"/>
-                </a:solidFill>
-                <a:latin typeface="72" panose="020B0503030000000003" pitchFamily="34" charset="0"/>
-                <a:cs typeface="72" panose="020B0503030000000003" pitchFamily="34" charset="0"/>
-              </a:rPr>
-              <a:t>proyecto</a:t>
-            </a:r>
-            <a:r>
-              <a:rPr lang="en-US" sz="1600" dirty="0">
-                <a:solidFill>
-                  <a:schemeClr val="bg1"/>
-                </a:solidFill>
-                <a:latin typeface="72" panose="020B0503030000000003" pitchFamily="34" charset="0"/>
-                <a:cs typeface="72" panose="020B0503030000000003" pitchFamily="34" charset="0"/>
-              </a:rPr>
-              <a:t>: ¿</a:t>
-            </a:r>
-            <a:r>
-              <a:rPr lang="en-US" sz="1600" dirty="0" err="1">
-                <a:solidFill>
-                  <a:schemeClr val="bg1"/>
-                </a:solidFill>
-                <a:latin typeface="72" panose="020B0503030000000003" pitchFamily="34" charset="0"/>
-                <a:cs typeface="72" panose="020B0503030000000003" pitchFamily="34" charset="0"/>
-              </a:rPr>
-              <a:t>qué</a:t>
-            </a:r>
-            <a:r>
-              <a:rPr lang="en-US" sz="1600" dirty="0">
-                <a:solidFill>
-                  <a:schemeClr val="bg1"/>
-                </a:solidFill>
-                <a:latin typeface="72" panose="020B0503030000000003" pitchFamily="34" charset="0"/>
-                <a:cs typeface="72" panose="020B0503030000000003" pitchFamily="34" charset="0"/>
-              </a:rPr>
-              <a:t> vas a </a:t>
-            </a:r>
-            <a:r>
-              <a:rPr lang="en-US" sz="1600" dirty="0" err="1">
-                <a:solidFill>
-                  <a:schemeClr val="bg1"/>
-                </a:solidFill>
-                <a:latin typeface="72" panose="020B0503030000000003" pitchFamily="34" charset="0"/>
-                <a:cs typeface="72" panose="020B0503030000000003" pitchFamily="34" charset="0"/>
-              </a:rPr>
-              <a:t>poder</a:t>
-            </a:r>
-            <a:r>
-              <a:rPr lang="en-US" sz="1600" dirty="0">
-                <a:solidFill>
-                  <a:schemeClr val="bg1"/>
-                </a:solidFill>
-                <a:latin typeface="72" panose="020B0503030000000003" pitchFamily="34" charset="0"/>
-                <a:cs typeface="72" panose="020B0503030000000003" pitchFamily="34" charset="0"/>
-              </a:rPr>
-              <a:t> </a:t>
-            </a:r>
-            <a:r>
-              <a:rPr lang="en-US" sz="1600" dirty="0" err="1">
-                <a:solidFill>
-                  <a:schemeClr val="bg1"/>
-                </a:solidFill>
-                <a:latin typeface="72" panose="020B0503030000000003" pitchFamily="34" charset="0"/>
-                <a:cs typeface="72" panose="020B0503030000000003" pitchFamily="34" charset="0"/>
-              </a:rPr>
-              <a:t>hacer</a:t>
-            </a:r>
-            <a:r>
-              <a:rPr lang="en-US" sz="1600" dirty="0">
-                <a:solidFill>
-                  <a:schemeClr val="bg1"/>
-                </a:solidFill>
-                <a:latin typeface="72" panose="020B0503030000000003" pitchFamily="34" charset="0"/>
-                <a:cs typeface="72" panose="020B0503030000000003" pitchFamily="34" charset="0"/>
-              </a:rPr>
-              <a:t> y </a:t>
-            </a:r>
-            <a:r>
-              <a:rPr lang="en-US" sz="1600" dirty="0" err="1">
-                <a:solidFill>
-                  <a:schemeClr val="bg1"/>
-                </a:solidFill>
-                <a:latin typeface="72" panose="020B0503030000000003" pitchFamily="34" charset="0"/>
-                <a:cs typeface="72" panose="020B0503030000000003" pitchFamily="34" charset="0"/>
-              </a:rPr>
-              <a:t>qué</a:t>
-            </a:r>
-            <a:r>
-              <a:rPr lang="en-US" sz="1600" dirty="0">
-                <a:solidFill>
-                  <a:schemeClr val="bg1"/>
-                </a:solidFill>
-                <a:latin typeface="72" panose="020B0503030000000003" pitchFamily="34" charset="0"/>
-                <a:cs typeface="72" panose="020B0503030000000003" pitchFamily="34" charset="0"/>
-              </a:rPr>
-              <a:t> no vas a </a:t>
-            </a:r>
-            <a:r>
-              <a:rPr lang="en-US" sz="1600" dirty="0" err="1">
-                <a:solidFill>
-                  <a:schemeClr val="bg1"/>
-                </a:solidFill>
-                <a:latin typeface="72" panose="020B0503030000000003" pitchFamily="34" charset="0"/>
-                <a:cs typeface="72" panose="020B0503030000000003" pitchFamily="34" charset="0"/>
-              </a:rPr>
-              <a:t>poder</a:t>
-            </a:r>
-            <a:r>
-              <a:rPr lang="en-US" sz="1600" dirty="0">
-                <a:solidFill>
-                  <a:schemeClr val="bg1"/>
-                </a:solidFill>
-                <a:latin typeface="72" panose="020B0503030000000003" pitchFamily="34" charset="0"/>
-                <a:cs typeface="72" panose="020B0503030000000003" pitchFamily="34" charset="0"/>
-              </a:rPr>
-              <a:t> </a:t>
-            </a:r>
-            <a:r>
-              <a:rPr lang="en-US" sz="1600" dirty="0" err="1">
-                <a:solidFill>
-                  <a:schemeClr val="bg1"/>
-                </a:solidFill>
-                <a:latin typeface="72" panose="020B0503030000000003" pitchFamily="34" charset="0"/>
-                <a:cs typeface="72" panose="020B0503030000000003" pitchFamily="34" charset="0"/>
-              </a:rPr>
-              <a:t>hacer</a:t>
-            </a:r>
-            <a:r>
-              <a:rPr lang="en-US" sz="1600" dirty="0">
-                <a:solidFill>
-                  <a:schemeClr val="bg1"/>
-                </a:solidFill>
-                <a:latin typeface="72" panose="020B0503030000000003" pitchFamily="34" charset="0"/>
-                <a:cs typeface="72" panose="020B0503030000000003" pitchFamily="34" charset="0"/>
-              </a:rPr>
-              <a:t>?</a:t>
-            </a:r>
-            <a:endParaRPr lang="es-MX" sz="1600" dirty="0">
-              <a:solidFill>
-                <a:schemeClr val="bg1"/>
-              </a:solidFill>
-              <a:latin typeface="72" panose="020B0503030000000003" pitchFamily="34" charset="0"/>
-              <a:cs typeface="72" panose="020B0503030000000003" pitchFamily="34" charset="0"/>
-            </a:endParaRPr>
-          </a:p>
-        </p:txBody>
-      </p:sp>
-      <p:sp>
-        <p:nvSpPr>
-          <p:cNvPr id="10" name="Rectangle 9">
-            <a:extLst>
-              <a:ext uri="{FF2B5EF4-FFF2-40B4-BE49-F238E27FC236}">
-                <a16:creationId xmlns:a16="http://schemas.microsoft.com/office/drawing/2014/main" id="{2A58525D-EF3E-4383-9FFF-7844959B02D0}"/>
-              </a:ext>
-            </a:extLst>
-          </p:cNvPr>
-          <p:cNvSpPr/>
-          <p:nvPr/>
-        </p:nvSpPr>
-        <p:spPr>
-          <a:xfrm>
-            <a:off x="3081865" y="0"/>
-            <a:ext cx="3031067" cy="3276600"/>
-          </a:xfrm>
-          <a:prstGeom prst="rect">
-            <a:avLst/>
-          </a:prstGeom>
-          <a:solidFill>
-            <a:schemeClr val="accent6">
-              <a:lumMod val="75000"/>
-            </a:schemeClr>
-          </a:solidFill>
-          <a:ln>
-            <a:solidFill>
-              <a:srgbClr val="B78700"/>
-            </a:solidFill>
-          </a:ln>
-        </p:spPr>
-        <p:style>
-          <a:lnRef idx="2">
-            <a:schemeClr val="accent1">
-              <a:shade val="50000"/>
-            </a:schemeClr>
-          </a:lnRef>
-          <a:fillRef idx="1">
-            <a:schemeClr val="accent1"/>
-          </a:fillRef>
-          <a:effectRef idx="0">
-            <a:schemeClr val="accent1"/>
-          </a:effectRef>
-          <a:fontRef idx="minor">
-            <a:schemeClr val="lt1"/>
-          </a:fontRef>
-        </p:style>
-        <p:txBody>
-          <a:bodyPr rtlCol="0" anchor="t"/>
-          <a:lstStyle/>
-          <a:p>
-            <a:pPr algn="ctr"/>
-            <a:r>
-              <a:rPr lang="en-US" sz="4000" b="1" dirty="0">
-                <a:solidFill>
-                  <a:schemeClr val="bg1"/>
-                </a:solidFill>
-                <a:latin typeface="72" panose="020B0503030000000003" pitchFamily="34" charset="0"/>
-                <a:cs typeface="72" panose="020B0503030000000003" pitchFamily="34" charset="0"/>
-              </a:rPr>
-              <a:t>2</a:t>
-            </a:r>
-          </a:p>
-          <a:p>
-            <a:pPr algn="ctr"/>
-            <a:r>
-              <a:rPr lang="en-US" sz="1600" dirty="0">
-                <a:solidFill>
-                  <a:schemeClr val="bg1"/>
-                </a:solidFill>
-                <a:latin typeface="72" panose="020B0503030000000003" pitchFamily="34" charset="0"/>
-                <a:cs typeface="72" panose="020B0503030000000003" pitchFamily="34" charset="0"/>
-              </a:rPr>
-              <a:t>a) </a:t>
-            </a:r>
-            <a:r>
-              <a:rPr lang="en-US" sz="1600" dirty="0" err="1">
-                <a:solidFill>
-                  <a:schemeClr val="bg1"/>
-                </a:solidFill>
-                <a:latin typeface="72" panose="020B0503030000000003" pitchFamily="34" charset="0"/>
-                <a:cs typeface="72" panose="020B0503030000000003" pitchFamily="34" charset="0"/>
-              </a:rPr>
-              <a:t>Codifica</a:t>
-            </a:r>
-            <a:r>
-              <a:rPr lang="en-US" sz="1600" dirty="0">
-                <a:solidFill>
-                  <a:schemeClr val="bg1"/>
-                </a:solidFill>
-                <a:latin typeface="72" panose="020B0503030000000003" pitchFamily="34" charset="0"/>
-                <a:cs typeface="72" panose="020B0503030000000003" pitchFamily="34" charset="0"/>
-              </a:rPr>
-              <a:t> la </a:t>
-            </a:r>
-            <a:r>
-              <a:rPr lang="en-US" sz="1600" dirty="0" err="1">
-                <a:solidFill>
-                  <a:schemeClr val="bg1"/>
-                </a:solidFill>
-                <a:latin typeface="72" panose="020B0503030000000003" pitchFamily="34" charset="0"/>
-                <a:cs typeface="72" panose="020B0503030000000003" pitchFamily="34" charset="0"/>
-              </a:rPr>
-              <a:t>clase</a:t>
-            </a:r>
-            <a:br>
-              <a:rPr lang="en-US" sz="1600" dirty="0">
-                <a:solidFill>
-                  <a:schemeClr val="bg1"/>
-                </a:solidFill>
-                <a:latin typeface="72" panose="020B0503030000000003" pitchFamily="34" charset="0"/>
-                <a:cs typeface="72" panose="020B0503030000000003" pitchFamily="34" charset="0"/>
-              </a:rPr>
-            </a:br>
-            <a:br>
-              <a:rPr lang="en-US" sz="1600" dirty="0">
-                <a:solidFill>
-                  <a:schemeClr val="bg1"/>
-                </a:solidFill>
-                <a:latin typeface="72" panose="020B0503030000000003" pitchFamily="34" charset="0"/>
-                <a:cs typeface="72" panose="020B0503030000000003" pitchFamily="34" charset="0"/>
-              </a:rPr>
-            </a:br>
-            <a:r>
-              <a:rPr lang="en-US" sz="1600" dirty="0">
-                <a:solidFill>
-                  <a:schemeClr val="bg1"/>
-                </a:solidFill>
-                <a:latin typeface="72" panose="020B0503030000000003" pitchFamily="34" charset="0"/>
-                <a:cs typeface="72" panose="020B0503030000000003" pitchFamily="34" charset="0"/>
-              </a:rPr>
-              <a:t>b) </a:t>
-            </a:r>
-            <a:r>
-              <a:rPr lang="en-US" sz="1600" dirty="0" err="1">
-                <a:solidFill>
-                  <a:schemeClr val="bg1"/>
-                </a:solidFill>
-                <a:latin typeface="72" panose="020B0503030000000003" pitchFamily="34" charset="0"/>
-                <a:cs typeface="72" panose="020B0503030000000003" pitchFamily="34" charset="0"/>
-              </a:rPr>
-              <a:t>Diseña</a:t>
-            </a:r>
-            <a:r>
-              <a:rPr lang="en-US" sz="1600" dirty="0">
-                <a:solidFill>
-                  <a:schemeClr val="bg1"/>
-                </a:solidFill>
-                <a:latin typeface="72" panose="020B0503030000000003" pitchFamily="34" charset="0"/>
-                <a:cs typeface="72" panose="020B0503030000000003" pitchFamily="34" charset="0"/>
-              </a:rPr>
-              <a:t> y </a:t>
-            </a:r>
-            <a:r>
-              <a:rPr lang="en-US" sz="1600" dirty="0" err="1">
-                <a:solidFill>
-                  <a:schemeClr val="bg1"/>
-                </a:solidFill>
-                <a:latin typeface="72" panose="020B0503030000000003" pitchFamily="34" charset="0"/>
-                <a:cs typeface="72" panose="020B0503030000000003" pitchFamily="34" charset="0"/>
-              </a:rPr>
-              <a:t>codifica</a:t>
-            </a:r>
-            <a:r>
-              <a:rPr lang="en-US" sz="1600" dirty="0">
-                <a:solidFill>
-                  <a:schemeClr val="bg1"/>
-                </a:solidFill>
-                <a:latin typeface="72" panose="020B0503030000000003" pitchFamily="34" charset="0"/>
-                <a:cs typeface="72" panose="020B0503030000000003" pitchFamily="34" charset="0"/>
-              </a:rPr>
-              <a:t> la </a:t>
-            </a:r>
-            <a:r>
-              <a:rPr lang="en-US" sz="1600" dirty="0" err="1">
-                <a:solidFill>
-                  <a:schemeClr val="bg1"/>
-                </a:solidFill>
-                <a:latin typeface="72" panose="020B0503030000000003" pitchFamily="34" charset="0"/>
-                <a:cs typeface="72" panose="020B0503030000000003" pitchFamily="34" charset="0"/>
-              </a:rPr>
-              <a:t>interfaz</a:t>
-            </a:r>
-            <a:r>
-              <a:rPr lang="en-US" sz="1600" dirty="0">
-                <a:solidFill>
-                  <a:schemeClr val="bg1"/>
-                </a:solidFill>
-                <a:latin typeface="72" panose="020B0503030000000003" pitchFamily="34" charset="0"/>
-                <a:cs typeface="72" panose="020B0503030000000003" pitchFamily="34" charset="0"/>
-              </a:rPr>
-              <a:t> </a:t>
-            </a:r>
-            <a:r>
-              <a:rPr lang="en-US" sz="1600" dirty="0" err="1">
-                <a:solidFill>
-                  <a:schemeClr val="bg1"/>
-                </a:solidFill>
-                <a:latin typeface="72" panose="020B0503030000000003" pitchFamily="34" charset="0"/>
-                <a:cs typeface="72" panose="020B0503030000000003" pitchFamily="34" charset="0"/>
-              </a:rPr>
-              <a:t>gráfica</a:t>
-            </a:r>
-            <a:endParaRPr lang="en-US" sz="1600" dirty="0">
-              <a:solidFill>
-                <a:schemeClr val="bg1"/>
-              </a:solidFill>
-              <a:latin typeface="72" panose="020B0503030000000003" pitchFamily="34" charset="0"/>
-              <a:cs typeface="72" panose="020B0503030000000003" pitchFamily="34" charset="0"/>
-            </a:endParaRPr>
-          </a:p>
-          <a:p>
-            <a:pPr algn="ctr"/>
-            <a:r>
-              <a:rPr lang="en-US" sz="1600" dirty="0">
-                <a:solidFill>
-                  <a:schemeClr val="bg1"/>
-                </a:solidFill>
-                <a:latin typeface="72" panose="020B0503030000000003" pitchFamily="34" charset="0"/>
-                <a:cs typeface="72" panose="020B0503030000000003" pitchFamily="34" charset="0"/>
-              </a:rPr>
-              <a:t> </a:t>
-            </a:r>
-          </a:p>
-        </p:txBody>
-      </p:sp>
-      <p:sp>
-        <p:nvSpPr>
-          <p:cNvPr id="11" name="Rectangle 10">
-            <a:extLst>
-              <a:ext uri="{FF2B5EF4-FFF2-40B4-BE49-F238E27FC236}">
-                <a16:creationId xmlns:a16="http://schemas.microsoft.com/office/drawing/2014/main" id="{1BF55567-E569-4783-8A9A-A17C6B815A8F}"/>
-              </a:ext>
-            </a:extLst>
-          </p:cNvPr>
-          <p:cNvSpPr/>
-          <p:nvPr/>
-        </p:nvSpPr>
-        <p:spPr>
-          <a:xfrm>
-            <a:off x="6112932" y="0"/>
-            <a:ext cx="3031067" cy="3276600"/>
-          </a:xfrm>
-          <a:prstGeom prst="rect">
-            <a:avLst/>
-          </a:prstGeom>
-          <a:solidFill>
-            <a:schemeClr val="accent3"/>
-          </a:solidFill>
-          <a:ln>
-            <a:solidFill>
-              <a:schemeClr val="accent3"/>
-            </a:solidFill>
-          </a:ln>
-        </p:spPr>
-        <p:style>
-          <a:lnRef idx="2">
-            <a:schemeClr val="accent1">
-              <a:shade val="50000"/>
-            </a:schemeClr>
-          </a:lnRef>
-          <a:fillRef idx="1">
-            <a:schemeClr val="accent1"/>
-          </a:fillRef>
-          <a:effectRef idx="0">
-            <a:schemeClr val="accent1"/>
-          </a:effectRef>
-          <a:fontRef idx="minor">
-            <a:schemeClr val="lt1"/>
-          </a:fontRef>
-        </p:style>
-        <p:txBody>
-          <a:bodyPr rtlCol="0" anchor="t"/>
-          <a:lstStyle/>
-          <a:p>
-            <a:pPr algn="ctr"/>
-            <a:r>
-              <a:rPr lang="en-US" sz="4000" b="1" dirty="0">
-                <a:solidFill>
-                  <a:schemeClr val="bg1"/>
-                </a:solidFill>
-                <a:latin typeface="72" panose="020B0503030000000003" pitchFamily="34" charset="0"/>
-                <a:cs typeface="72" panose="020B0503030000000003" pitchFamily="34" charset="0"/>
-              </a:rPr>
-              <a:t>3</a:t>
-            </a:r>
-          </a:p>
-          <a:p>
-            <a:pPr algn="ctr"/>
-            <a:r>
-              <a:rPr lang="en-US" sz="1600" dirty="0">
-                <a:solidFill>
-                  <a:schemeClr val="bg1"/>
-                </a:solidFill>
-                <a:latin typeface="72" panose="020B0503030000000003" pitchFamily="34" charset="0"/>
-                <a:cs typeface="72" panose="020B0503030000000003" pitchFamily="34" charset="0"/>
-              </a:rPr>
-              <a:t>a) </a:t>
-            </a:r>
-            <a:r>
-              <a:rPr lang="en-US" sz="1600" dirty="0" err="1">
-                <a:solidFill>
-                  <a:schemeClr val="bg1"/>
-                </a:solidFill>
-                <a:latin typeface="72" panose="020B0503030000000003" pitchFamily="34" charset="0"/>
-                <a:cs typeface="72" panose="020B0503030000000003" pitchFamily="34" charset="0"/>
-              </a:rPr>
-              <a:t>Graba</a:t>
-            </a:r>
-            <a:r>
-              <a:rPr lang="en-US" sz="1600" dirty="0">
-                <a:solidFill>
-                  <a:schemeClr val="bg1"/>
-                </a:solidFill>
-                <a:latin typeface="72" panose="020B0503030000000003" pitchFamily="34" charset="0"/>
-                <a:cs typeface="72" panose="020B0503030000000003" pitchFamily="34" charset="0"/>
-              </a:rPr>
-              <a:t> una </a:t>
-            </a:r>
-            <a:r>
-              <a:rPr lang="en-US" sz="1600" dirty="0" err="1">
-                <a:solidFill>
-                  <a:schemeClr val="bg1"/>
-                </a:solidFill>
-                <a:latin typeface="72" panose="020B0503030000000003" pitchFamily="34" charset="0"/>
-                <a:cs typeface="72" panose="020B0503030000000003" pitchFamily="34" charset="0"/>
-              </a:rPr>
-              <a:t>pequeña</a:t>
-            </a:r>
-            <a:r>
-              <a:rPr lang="en-US" sz="1600" dirty="0">
-                <a:solidFill>
-                  <a:schemeClr val="bg1"/>
-                </a:solidFill>
-                <a:latin typeface="72" panose="020B0503030000000003" pitchFamily="34" charset="0"/>
-                <a:cs typeface="72" panose="020B0503030000000003" pitchFamily="34" charset="0"/>
-              </a:rPr>
-              <a:t> </a:t>
-            </a:r>
-            <a:r>
-              <a:rPr lang="en-US" sz="1600" dirty="0" err="1">
-                <a:solidFill>
-                  <a:schemeClr val="bg1"/>
-                </a:solidFill>
-                <a:latin typeface="72" panose="020B0503030000000003" pitchFamily="34" charset="0"/>
-                <a:cs typeface="72" panose="020B0503030000000003" pitchFamily="34" charset="0"/>
-              </a:rPr>
-              <a:t>demostración</a:t>
-            </a:r>
-            <a:r>
-              <a:rPr lang="en-US" sz="1600" dirty="0">
-                <a:solidFill>
-                  <a:schemeClr val="bg1"/>
-                </a:solidFill>
-                <a:latin typeface="72" panose="020B0503030000000003" pitchFamily="34" charset="0"/>
-                <a:cs typeface="72" panose="020B0503030000000003" pitchFamily="34" charset="0"/>
-              </a:rPr>
-              <a:t> de </a:t>
-            </a:r>
-            <a:r>
-              <a:rPr lang="en-US" sz="1600" dirty="0" err="1">
-                <a:solidFill>
-                  <a:schemeClr val="bg1"/>
-                </a:solidFill>
-                <a:latin typeface="72" panose="020B0503030000000003" pitchFamily="34" charset="0"/>
-                <a:cs typeface="72" panose="020B0503030000000003" pitchFamily="34" charset="0"/>
-              </a:rPr>
-              <a:t>tu</a:t>
-            </a:r>
-            <a:r>
-              <a:rPr lang="en-US" sz="1600" dirty="0">
-                <a:solidFill>
-                  <a:schemeClr val="bg1"/>
-                </a:solidFill>
-                <a:latin typeface="72" panose="020B0503030000000003" pitchFamily="34" charset="0"/>
-                <a:cs typeface="72" panose="020B0503030000000003" pitchFamily="34" charset="0"/>
-              </a:rPr>
-              <a:t> </a:t>
-            </a:r>
-            <a:r>
-              <a:rPr lang="en-US" sz="1600" dirty="0" err="1">
-                <a:solidFill>
-                  <a:schemeClr val="bg1"/>
-                </a:solidFill>
-                <a:latin typeface="72" panose="020B0503030000000003" pitchFamily="34" charset="0"/>
-                <a:cs typeface="72" panose="020B0503030000000003" pitchFamily="34" charset="0"/>
-              </a:rPr>
-              <a:t>programa</a:t>
-            </a:r>
-            <a:r>
-              <a:rPr lang="en-US" sz="1600" dirty="0">
-                <a:solidFill>
-                  <a:schemeClr val="bg1"/>
-                </a:solidFill>
-                <a:latin typeface="72" panose="020B0503030000000003" pitchFamily="34" charset="0"/>
-                <a:cs typeface="72" panose="020B0503030000000003" pitchFamily="34" charset="0"/>
-              </a:rPr>
-              <a:t>, que </a:t>
-            </a:r>
-            <a:r>
-              <a:rPr lang="en-US" sz="1600" dirty="0" err="1">
-                <a:solidFill>
-                  <a:schemeClr val="bg1"/>
-                </a:solidFill>
-                <a:latin typeface="72" panose="020B0503030000000003" pitchFamily="34" charset="0"/>
-                <a:cs typeface="72" panose="020B0503030000000003" pitchFamily="34" charset="0"/>
-              </a:rPr>
-              <a:t>muestre</a:t>
-            </a:r>
-            <a:r>
-              <a:rPr lang="en-US" sz="1600" dirty="0">
-                <a:solidFill>
-                  <a:schemeClr val="bg1"/>
-                </a:solidFill>
-                <a:latin typeface="72" panose="020B0503030000000003" pitchFamily="34" charset="0"/>
-                <a:cs typeface="72" panose="020B0503030000000003" pitchFamily="34" charset="0"/>
-              </a:rPr>
-              <a:t> la </a:t>
-            </a:r>
-            <a:r>
-              <a:rPr lang="en-US" sz="1600" dirty="0" err="1">
-                <a:solidFill>
-                  <a:schemeClr val="bg1"/>
-                </a:solidFill>
-                <a:latin typeface="72" panose="020B0503030000000003" pitchFamily="34" charset="0"/>
-                <a:cs typeface="72" panose="020B0503030000000003" pitchFamily="34" charset="0"/>
-              </a:rPr>
-              <a:t>funcionalidad</a:t>
-            </a:r>
-            <a:r>
-              <a:rPr lang="en-US" sz="1600" dirty="0">
-                <a:solidFill>
-                  <a:schemeClr val="bg1"/>
-                </a:solidFill>
-                <a:latin typeface="72" panose="020B0503030000000003" pitchFamily="34" charset="0"/>
-                <a:cs typeface="72" panose="020B0503030000000003" pitchFamily="34" charset="0"/>
-              </a:rPr>
-              <a:t> de </a:t>
-            </a:r>
-            <a:r>
-              <a:rPr lang="en-US" sz="1600" dirty="0" err="1">
-                <a:solidFill>
-                  <a:schemeClr val="bg1"/>
-                </a:solidFill>
-                <a:latin typeface="72" panose="020B0503030000000003" pitchFamily="34" charset="0"/>
-                <a:cs typeface="72" panose="020B0503030000000003" pitchFamily="34" charset="0"/>
-              </a:rPr>
-              <a:t>tu</a:t>
-            </a:r>
-            <a:r>
-              <a:rPr lang="en-US" sz="1600" dirty="0">
-                <a:solidFill>
-                  <a:schemeClr val="bg1"/>
-                </a:solidFill>
-                <a:latin typeface="72" panose="020B0503030000000003" pitchFamily="34" charset="0"/>
-                <a:cs typeface="72" panose="020B0503030000000003" pitchFamily="34" charset="0"/>
-              </a:rPr>
-              <a:t> </a:t>
-            </a:r>
-            <a:r>
-              <a:rPr lang="en-US" sz="1600" dirty="0" err="1">
-                <a:solidFill>
-                  <a:schemeClr val="bg1"/>
-                </a:solidFill>
-                <a:latin typeface="72" panose="020B0503030000000003" pitchFamily="34" charset="0"/>
-                <a:cs typeface="72" panose="020B0503030000000003" pitchFamily="34" charset="0"/>
-              </a:rPr>
-              <a:t>proyecto</a:t>
-            </a:r>
-            <a:r>
-              <a:rPr lang="en-US" sz="1600" dirty="0">
-                <a:solidFill>
-                  <a:schemeClr val="bg1"/>
-                </a:solidFill>
-                <a:latin typeface="72" panose="020B0503030000000003" pitchFamily="34" charset="0"/>
-                <a:cs typeface="72" panose="020B0503030000000003" pitchFamily="34" charset="0"/>
-              </a:rPr>
-              <a:t>.</a:t>
-            </a:r>
-            <a:endParaRPr lang="es-MX" sz="2000" dirty="0">
-              <a:solidFill>
-                <a:schemeClr val="bg1"/>
-              </a:solidFill>
-              <a:latin typeface="72" panose="020B0503030000000003" pitchFamily="34" charset="0"/>
-              <a:cs typeface="72" panose="020B0503030000000003" pitchFamily="34" charset="0"/>
-            </a:endParaRPr>
-          </a:p>
-        </p:txBody>
-      </p:sp>
-      <p:pic>
-        <p:nvPicPr>
-          <p:cNvPr id="13" name="Graphic 12" descr="Lightbulb with solid fill">
-            <a:extLst>
-              <a:ext uri="{FF2B5EF4-FFF2-40B4-BE49-F238E27FC236}">
-                <a16:creationId xmlns:a16="http://schemas.microsoft.com/office/drawing/2014/main" id="{A4C0E536-2D8A-4423-AC71-70BB608539BE}"/>
-              </a:ext>
-            </a:extLst>
-          </p:cNvPr>
-          <p:cNvPicPr>
-            <a:picLocks noChangeAspect="1"/>
-          </p:cNvPicPr>
-          <p:nvPr/>
-        </p:nvPicPr>
-        <p:blipFill>
-          <a:blip r:embed="rId2">
-            <a:extLst>
-              <a:ext uri="{96DAC541-7B7A-43D3-8B79-37D633B846F1}">
-                <asvg:svgBlip xmlns:asvg="http://schemas.microsoft.com/office/drawing/2016/SVG/main" r:embed="rId3"/>
-              </a:ext>
-            </a:extLst>
-          </a:blip>
-          <a:stretch>
-            <a:fillRect/>
-          </a:stretch>
-        </p:blipFill>
-        <p:spPr>
-          <a:xfrm flipH="1">
-            <a:off x="835253" y="3467665"/>
-            <a:ext cx="1411357" cy="1411357"/>
-          </a:xfrm>
-          <a:prstGeom prst="rect">
-            <a:avLst/>
-          </a:prstGeom>
-        </p:spPr>
-      </p:pic>
-      <p:pic>
-        <p:nvPicPr>
-          <p:cNvPr id="14" name="Graphic 13" descr="Web design with solid fill">
-            <a:extLst>
-              <a:ext uri="{FF2B5EF4-FFF2-40B4-BE49-F238E27FC236}">
-                <a16:creationId xmlns:a16="http://schemas.microsoft.com/office/drawing/2014/main" id="{E81657BF-B09A-4241-A0D6-8EC3CBCF3808}"/>
-              </a:ext>
-            </a:extLst>
-          </p:cNvPr>
-          <p:cNvPicPr>
-            <a:picLocks noChangeAspect="1"/>
-          </p:cNvPicPr>
-          <p:nvPr/>
-        </p:nvPicPr>
-        <p:blipFill>
-          <a:blip r:embed="rId4">
-            <a:extLst>
-              <a:ext uri="{96DAC541-7B7A-43D3-8B79-37D633B846F1}">
-                <asvg:svgBlip xmlns:asvg="http://schemas.microsoft.com/office/drawing/2016/SVG/main" r:embed="rId5"/>
-              </a:ext>
-            </a:extLst>
-          </a:blip>
-          <a:stretch>
-            <a:fillRect/>
-          </a:stretch>
-        </p:blipFill>
-        <p:spPr>
-          <a:xfrm flipH="1">
-            <a:off x="3891719" y="3513595"/>
-            <a:ext cx="1411357" cy="1411357"/>
-          </a:xfrm>
-          <a:prstGeom prst="rect">
-            <a:avLst/>
-          </a:prstGeom>
-        </p:spPr>
-      </p:pic>
-      <p:pic>
-        <p:nvPicPr>
-          <p:cNvPr id="15" name="Graphic 14" descr="Film strip with solid fill">
-            <a:extLst>
-              <a:ext uri="{FF2B5EF4-FFF2-40B4-BE49-F238E27FC236}">
-                <a16:creationId xmlns:a16="http://schemas.microsoft.com/office/drawing/2014/main" id="{A13E4C90-B0EF-4FC4-BB08-6878EDD733EE}"/>
-              </a:ext>
-            </a:extLst>
-          </p:cNvPr>
-          <p:cNvPicPr>
-            <a:picLocks noChangeAspect="1"/>
-          </p:cNvPicPr>
-          <p:nvPr/>
-        </p:nvPicPr>
-        <p:blipFill>
-          <a:blip r:embed="rId6">
-            <a:extLst>
-              <a:ext uri="{96DAC541-7B7A-43D3-8B79-37D633B846F1}">
-                <asvg:svgBlip xmlns:asvg="http://schemas.microsoft.com/office/drawing/2016/SVG/main" r:embed="rId7"/>
-              </a:ext>
-            </a:extLst>
-          </a:blip>
-          <a:stretch>
-            <a:fillRect/>
-          </a:stretch>
-        </p:blipFill>
-        <p:spPr>
-          <a:xfrm flipH="1">
-            <a:off x="6922786" y="3513594"/>
-            <a:ext cx="1411357" cy="1411357"/>
-          </a:xfrm>
-          <a:prstGeom prst="rect">
-            <a:avLst/>
-          </a:prstGeom>
-        </p:spPr>
-      </p:pic>
-    </p:spTree>
-    <p:extLst>
-      <p:ext uri="{BB962C8B-B14F-4D97-AF65-F5344CB8AC3E}">
-        <p14:creationId xmlns:p14="http://schemas.microsoft.com/office/powerpoint/2010/main" val="672718555"/>
+        <p14:creationId xmlns:p14="http://schemas.microsoft.com/office/powerpoint/2010/main" val="45306834"/>
       </p:ext>
     </p:extLst>
   </p:cSld>
@@ -9700,7 +8708,7 @@
                             </p:stCondLst>
                             <p:childTnLst>
                               <p:par>
-                                <p:cTn id="5" presetID="2" presetClass="entr" presetSubtype="4" fill="hold" grpId="0" nodeType="clickEffect">
+                                <p:cTn id="5" presetID="1" presetClass="entr" presetSubtype="0" fill="hold" nodeType="clickEffect">
                                   <p:stCondLst>
                                     <p:cond delay="0"/>
                                   </p:stCondLst>
@@ -9713,7 +8721,7 @@
                                           </p:stCondLst>
                                         </p:cTn>
                                         <p:tgtEl>
-                                          <p:spTgt spid="8"/>
+                                          <p:spTgt spid="2"/>
                                         </p:tgtEl>
                                         <p:attrNameLst>
                                           <p:attrName>style.visibility</p:attrName>
@@ -9723,52 +8731,6 @@
                                         <p:strVal val="visible"/>
                                       </p:to>
                                     </p:set>
-                                    <p:anim calcmode="lin" valueType="num">
-                                      <p:cBhvr additive="base">
-                                        <p:cTn id="7" dur="500" fill="hold"/>
-                                        <p:tgtEl>
-                                          <p:spTgt spid="8"/>
-                                        </p:tgtEl>
-                                        <p:attrNameLst>
-                                          <p:attrName>ppt_x</p:attrName>
-                                        </p:attrNameLst>
-                                      </p:cBhvr>
-                                      <p:tavLst>
-                                        <p:tav tm="0">
-                                          <p:val>
-                                            <p:strVal val="#ppt_x"/>
-                                          </p:val>
-                                        </p:tav>
-                                        <p:tav tm="100000">
-                                          <p:val>
-                                            <p:strVal val="#ppt_x"/>
-                                          </p:val>
-                                        </p:tav>
-                                      </p:tavLst>
-                                    </p:anim>
-                                    <p:anim calcmode="lin" valueType="num">
-                                      <p:cBhvr additive="base">
-                                        <p:cTn id="8" dur="500" fill="hold"/>
-                                        <p:tgtEl>
-                                          <p:spTgt spid="8"/>
-                                        </p:tgtEl>
-                                        <p:attrNameLst>
-                                          <p:attrName>ppt_y</p:attrName>
-                                        </p:attrNameLst>
-                                      </p:cBhvr>
-                                      <p:tavLst>
-                                        <p:tav tm="0">
-                                          <p:val>
-                                            <p:strVal val="1+#ppt_h/2"/>
-                                          </p:val>
-                                        </p:tav>
-                                        <p:tav tm="100000">
-                                          <p:val>
-                                            <p:strVal val="#ppt_y"/>
-                                          </p:val>
-                                        </p:tav>
-                                      </p:tavLst>
-                                    </p:anim>
                                   </p:childTnLst>
                                 </p:cTn>
                               </p:par>
@@ -9779,19 +8741,50 @@
                     </p:cTn>
                   </p:par>
                   <p:par>
-                    <p:cTn id="9" fill="hold">
+                    <p:cTn id="7" fill="hold">
                       <p:stCondLst>
                         <p:cond delay="indefinite"/>
                       </p:stCondLst>
                       <p:childTnLst>
                         <p:par>
-                          <p:cTn id="10" fill="hold">
+                          <p:cTn id="8" fill="hold">
                             <p:stCondLst>
                               <p:cond delay="0"/>
                             </p:stCondLst>
                             <p:childTnLst>
                               <p:par>
-                                <p:cTn id="11" presetID="2" presetClass="entr" presetSubtype="4" fill="hold" grpId="0" nodeType="clickEffect">
+                                <p:cTn id="9" presetID="1" presetClass="entr" presetSubtype="0" fill="hold" nodeType="clickEffect">
+                                  <p:stCondLst>
+                                    <p:cond delay="0"/>
+                                  </p:stCondLst>
+                                  <p:childTnLst>
+                                    <p:set>
+                                      <p:cBhvr>
+                                        <p:cTn id="10" dur="1" fill="hold">
+                                          <p:stCondLst>
+                                            <p:cond delay="0"/>
+                                          </p:stCondLst>
+                                        </p:cTn>
+                                        <p:tgtEl>
+                                          <p:spTgt spid="3">
+                                            <p:txEl>
+                                              <p:pRg st="0" end="0"/>
+                                            </p:txEl>
+                                          </p:spTgt>
+                                        </p:tgtEl>
+                                        <p:attrNameLst>
+                                          <p:attrName>style.visibility</p:attrName>
+                                        </p:attrNameLst>
+                                      </p:cBhvr>
+                                      <p:to>
+                                        <p:strVal val="visible"/>
+                                      </p:to>
+                                    </p:set>
+                                  </p:childTnLst>
+                                </p:cTn>
+                              </p:par>
+                              <p:par>
+                                <p:cTn id="11" presetID="1" presetClass="entr" presetSubtype="0" fill="hold" nodeType="withEffect">
                                   <p:stCondLst>
                                     <p:cond delay="0"/>
                                   </p:stCondLst>
@@ -9804,7 +8797,11 @@
                                           </p:stCondLst>
                                         </p:cTn>
                                         <p:tgtEl>
-                                          <p:spTgt spid="10"/>
+                                          <p:spTgt spid="3">
+                                            <p:txEl>
+                                              <p:pRg st="1" end="1"/>
+                                            </p:txEl>
+                                          </p:spTgt>
                                         </p:tgtEl>
                                         <p:attrNameLst>
                                           <p:attrName>style.visibility</p:attrName>
@@ -9814,52 +8811,6 @@
                                         <p:strVal val="visible"/>
                                       </p:to>
                                     </p:set>
-                                    <p:anim calcmode="lin" valueType="num">
-                                      <p:cBhvr additive="base">
-                                        <p:cTn id="13" dur="500" fill="hold"/>
-                                        <p:tgtEl>
-                                          <p:spTgt spid="10"/>
-                                        </p:tgtEl>
-                                        <p:attrNameLst>
-                                          <p:attrName>ppt_x</p:attrName>
-                                        </p:attrNameLst>
-                                      </p:cBhvr>
-                                      <p:tavLst>
-                                        <p:tav tm="0">
-                                          <p:val>
-                                            <p:strVal val="#ppt_x"/>
-                                          </p:val>
-                                        </p:tav>
-                                        <p:tav tm="100000">
-                                          <p:val>
-                                            <p:strVal val="#ppt_x"/>
-                                          </p:val>
-                                        </p:tav>
-                                      </p:tavLst>
-                                    </p:anim>
-                                    <p:anim calcmode="lin" valueType="num">
-                                      <p:cBhvr additive="base">
-                                        <p:cTn id="14" dur="500" fill="hold"/>
-                                        <p:tgtEl>
-                                          <p:spTgt spid="10"/>
-                                        </p:tgtEl>
-                                        <p:attrNameLst>
-                                          <p:attrName>ppt_y</p:attrName>
-                                        </p:attrNameLst>
-                                      </p:cBhvr>
-                                      <p:tavLst>
-                                        <p:tav tm="0">
-                                          <p:val>
-                                            <p:strVal val="1+#ppt_h/2"/>
-                                          </p:val>
-                                        </p:tav>
-                                        <p:tav tm="100000">
-                                          <p:val>
-                                            <p:strVal val="#ppt_y"/>
-                                          </p:val>
-                                        </p:tav>
-                                      </p:tavLst>
-                                    </p:anim>
                                   </p:childTnLst>
                                 </p:cTn>
                               </p:par>
@@ -9870,19 +8821,50 @@
                     </p:cTn>
                   </p:par>
                   <p:par>
-                    <p:cTn id="15" fill="hold">
+                    <p:cTn id="13" fill="hold">
                       <p:stCondLst>
                         <p:cond delay="indefinite"/>
                       </p:stCondLst>
                       <p:childTnLst>
                         <p:par>
-                          <p:cTn id="16" fill="hold">
+                          <p:cTn id="14" fill="hold">
                             <p:stCondLst>
                               <p:cond delay="0"/>
                             </p:stCondLst>
                             <p:childTnLst>
                               <p:par>
-                                <p:cTn id="17" presetID="2" presetClass="entr" presetSubtype="4" fill="hold" grpId="0" nodeType="clickEffect">
+                                <p:cTn id="15" presetID="1" presetClass="entr" presetSubtype="0" fill="hold" nodeType="clickEffect">
+                                  <p:stCondLst>
+                                    <p:cond delay="0"/>
+                                  </p:stCondLst>
+                                  <p:childTnLst>
+                                    <p:set>
+                                      <p:cBhvr>
+                                        <p:cTn id="16" dur="1" fill="hold">
+                                          <p:stCondLst>
+                                            <p:cond delay="0"/>
+                                          </p:stCondLst>
+                                        </p:cTn>
+                                        <p:tgtEl>
+                                          <p:spTgt spid="3">
+                                            <p:txEl>
+                                              <p:pRg st="3" end="3"/>
+                                            </p:txEl>
+                                          </p:spTgt>
+                                        </p:tgtEl>
+                                        <p:attrNameLst>
+                                          <p:attrName>style.visibility</p:attrName>
+                                        </p:attrNameLst>
+                                      </p:cBhvr>
+                                      <p:to>
+                                        <p:strVal val="visible"/>
+                                      </p:to>
+                                    </p:set>
+                                  </p:childTnLst>
+                                </p:cTn>
+                              </p:par>
+                              <p:par>
+                                <p:cTn id="17" presetID="1" presetClass="entr" presetSubtype="0" fill="hold" nodeType="withEffect">
                                   <p:stCondLst>
                                     <p:cond delay="0"/>
                                   </p:stCondLst>
@@ -9895,7 +8877,11 @@
                                           </p:stCondLst>
                                         </p:cTn>
                                         <p:tgtEl>
-                                          <p:spTgt spid="11"/>
+                                          <p:spTgt spid="3">
+                                            <p:txEl>
+                                              <p:pRg st="4" end="4"/>
+                                            </p:txEl>
+                                          </p:spTgt>
                                         </p:tgtEl>
                                         <p:attrNameLst>
                                           <p:attrName>style.visibility</p:attrName>
@@ -9905,52 +8891,86 @@
                                         <p:strVal val="visible"/>
                                       </p:to>
                                     </p:set>
-                                    <p:anim calcmode="lin" valueType="num">
-                                      <p:cBhvr additive="base">
-                                        <p:cTn id="19" dur="500" fill="hold"/>
+                                  </p:childTnLst>
+                                </p:cTn>
+                              </p:par>
+                            </p:childTnLst>
+                          </p:cTn>
+                        </p:par>
+                      </p:childTnLst>
+                    </p:cTn>
+                  </p:par>
+                  <p:par>
+                    <p:cTn id="19" fill="hold">
+                      <p:stCondLst>
+                        <p:cond delay="indefinite"/>
+                      </p:stCondLst>
+                      <p:childTnLst>
+                        <p:par>
+                          <p:cTn id="20" fill="hold">
+                            <p:stCondLst>
+                              <p:cond delay="0"/>
+                            </p:stCondLst>
+                            <p:childTnLst>
+                              <p:par>
+                                <p:cTn id="21" presetID="1" presetClass="entr" presetSubtype="0" fill="hold" nodeType="clickEffect">
+                                  <p:stCondLst>
+                                    <p:cond delay="0"/>
+                                  </p:stCondLst>
+                                  <p:childTnLst>
+                                    <p:set>
+                                      <p:cBhvr>
+                                        <p:cTn id="22" dur="1" fill="hold">
+                                          <p:stCondLst>
+                                            <p:cond delay="0"/>
+                                          </p:stCondLst>
+                                        </p:cTn>
                                         <p:tgtEl>
-                                          <p:spTgt spid="11"/>
+                                          <p:spTgt spid="3">
+                                            <p:txEl>
+                                              <p:pRg st="6" end="6"/>
+                                            </p:txEl>
+                                          </p:spTgt>
                                         </p:tgtEl>
                                         <p:attrNameLst>
-                                          <p:attrName>ppt_x</p:attrName>
+                                          <p:attrName>style.visibility</p:attrName>
                                         </p:attrNameLst>
                                       </p:cBhvr>
-                                      <p:tavLst>
-                                        <p:tav tm="0">
-                                          <p:val>
-                                            <p:strVal val="#ppt_x"/>
-                                          </p:val>
-                                        </p:tav>
-                                        <p:tav tm="100000">
-                                          <p:val>
-                                            <p:strVal val="#ppt_x"/>
-                                          </p:val>
-                                        </p:tav>
-                                      </p:tavLst>
-                                    </p:anim>
-                                    <p:anim calcmode="lin" valueType="num">
-                                      <p:cBhvr additive="base">
-                                        <p:cTn id="20" dur="500" fill="hold"/>
+                                      <p:to>
+                                        <p:strVal val="visible"/>
+                                      </p:to>
+                                    </p:set>
+                                  </p:childTnLst>
+                                </p:cTn>
+                              </p:par>
+                              <p:par>
+                                <p:cTn id="23" presetID="1" presetClass="entr" presetSubtype="0" fill="hold" nodeType="withEffect">
+                                  <p:stCondLst>
+                                    <p:cond delay="0"/>
+                                  </p:stCondLst>
+                                  <p:childTnLst>
+                                    <p:set>
+                                      <p:cBhvr>
+                                        <p:cTn id="24" dur="1" fill="hold">
+                                          <p:stCondLst>
+                                            <p:cond delay="0"/>
+                                          </p:stCondLst>
+                                        </p:cTn>
                                         <p:tgtEl>
-                                          <p:spTgt spid="11"/>
+                                          <p:spTgt spid="3">
+                                            <p:txEl>
+                                              <p:pRg st="7" end="7"/>
+                                            </p:txEl>
+                                          </p:spTgt>
                                         </p:tgtEl>
                                         <p:attrNameLst>
-                                          <p:attrName>ppt_y</p:attrName>
+                                          <p:attrName>style.visibility</p:attrName>
                                         </p:attrNameLst>
                                       </p:cBhvr>
-                                      <p:tavLst>
-                                        <p:tav tm="0">
-                                          <p:val>
-                                            <p:strVal val="1+#ppt_h/2"/>
-                                          </p:val>
-                                        </p:tav>
-                                        <p:tav tm="100000">
-                                          <p:val>
-                                            <p:strVal val="#ppt_y"/>
-                                          </p:val>
-                                        </p:tav>
-                                      </p:tavLst>
-                                    </p:anim>
+                                      <p:to>
+                                        <p:strVal val="visible"/>
+                                      </p:to>
+                                    </p:set>
                                   </p:childTnLst>
                                 </p:cTn>
                               </p:par>
@@ -9981,16 +9001,11 @@
         </p:cTn>
       </p:par>
     </p:tnLst>
-    <p:bldLst>
-      <p:bldP spid="8" grpId="0" animBg="1"/>
-      <p:bldP spid="10" grpId="0" animBg="1"/>
-      <p:bldP spid="11" grpId="0" animBg="1"/>
-    </p:bldLst>
   </p:timing>
 </p:sld>
 </file>
 
-<file path=ppt/slides/slide8.xml><?xml version="1.0" encoding="utf-8"?>
+<file path=ppt/slides/slide7.xml><?xml version="1.0" encoding="utf-8"?>
 <p:sld xmlns:a="http://schemas.openxmlformats.org/drawingml/2006/main" xmlns:r="http://schemas.openxmlformats.org/officeDocument/2006/relationships" xmlns:p="http://schemas.openxmlformats.org/presentationml/2006/main">
   <p:cSld>
     <p:spTree>
@@ -10095,7 +9110,7 @@
         <p:spPr>
           <a:xfrm>
             <a:off x="0" y="1041990"/>
-            <a:ext cx="9053623" cy="1938992"/>
+            <a:ext cx="9053623" cy="2554545"/>
           </a:xfrm>
           <a:prstGeom prst="rect">
             <a:avLst/>
@@ -10141,7 +9156,7 @@
                 <a:latin typeface="72" panose="020B0503030000000003" pitchFamily="34" charset="0"/>
                 <a:cs typeface="72" panose="020B0503030000000003" pitchFamily="34" charset="0"/>
               </a:rPr>
-              <a:t>5 de mayo @ 7:00 AM</a:t>
+              <a:t>3 de mayo @ 7:30 AM</a:t>
             </a:r>
           </a:p>
           <a:p>
@@ -10163,28 +9178,23 @@
                 <a:latin typeface="72" panose="020B0503030000000003" pitchFamily="34" charset="0"/>
                 <a:cs typeface="72" panose="020B0503030000000003" pitchFamily="34" charset="0"/>
               </a:rPr>
-              <a:t>Se entregará un documento que explique y detalle el funcionamiento de la clase o clases generadas. Puedes encontrar un documento de diseño en </a:t>
+              <a:t>Se entregará un documento que explique y detalle el funcionamiento de la clase o clases generadas. Puedes encontrar un documento de diseño en Canvas.</a:t>
             </a:r>
-            <a:r>
-              <a:rPr lang="es-MX" sz="2000" dirty="0" err="1">
-                <a:latin typeface="72" panose="020B0503030000000003" pitchFamily="34" charset="0"/>
-                <a:cs typeface="72" panose="020B0503030000000003" pitchFamily="34" charset="0"/>
-              </a:rPr>
-              <a:t>Canvas</a:t>
-            </a:r>
+          </a:p>
+          <a:p>
+            <a:endParaRPr lang="es-MX" sz="2000" dirty="0">
+              <a:latin typeface="72" panose="020B0503030000000003" pitchFamily="34" charset="0"/>
+              <a:cs typeface="72" panose="020B0503030000000003" pitchFamily="34" charset="0"/>
+            </a:endParaRPr>
+          </a:p>
+          <a:p>
             <a:r>
               <a:rPr lang="es-MX" sz="2000" dirty="0">
                 <a:latin typeface="72" panose="020B0503030000000003" pitchFamily="34" charset="0"/>
                 <a:cs typeface="72" panose="020B0503030000000003" pitchFamily="34" charset="0"/>
               </a:rPr>
-              <a:t>.</a:t>
+              <a:t>Puedes basarte en el documento “Plantilla de diseño.docx” que se encuentra en la sección de proyecto en Canvas.</a:t>
             </a:r>
-          </a:p>
-          <a:p>
-            <a:endParaRPr lang="es-MX" sz="2000" dirty="0">
-              <a:latin typeface="72" panose="020B0503030000000003" pitchFamily="34" charset="0"/>
-              <a:cs typeface="72" panose="020B0503030000000003" pitchFamily="34" charset="0"/>
-            </a:endParaRPr>
           </a:p>
         </p:txBody>
       </p:sp>
@@ -10340,6 +9350,55 @@
                       </p:childTnLst>
                     </p:cTn>
                   </p:par>
+                  <p:par>
+                    <p:cTn id="11" fill="hold">
+                      <p:stCondLst>
+                        <p:cond delay="indefinite"/>
+                      </p:stCondLst>
+                      <p:childTnLst>
+                        <p:par>
+                          <p:cTn id="12" fill="hold">
+                            <p:stCondLst>
+                              <p:cond delay="0"/>
+                            </p:stCondLst>
+                            <p:childTnLst>
+                              <p:par>
+                                <p:cTn id="13" presetID="1" presetClass="entr" presetSubtype="0" fill="hold" nodeType="clickEffect">
+                                  <p:stCondLst>
+                                    <p:cond delay="0"/>
+                                  </p:stCondLst>
+                                  <p:childTnLst>
+                                    <p:set>
+                                      <p:cBhvr>
+                                        <p:cTn id="14" dur="1" fill="hold">
+                                          <p:stCondLst>
+                                            <p:cond delay="0"/>
+                                          </p:stCondLst>
+                                        </p:cTn>
+                                        <p:tgtEl>
+                                          <p:spTgt spid="2">
+                                            <p:txEl>
+                                              <p:pRg st="4" end="4"/>
+                                            </p:txEl>
+                                          </p:spTgt>
+                                        </p:tgtEl>
+                                        <p:attrNameLst>
+                                          <p:attrName>style.visibility</p:attrName>
+                                        </p:attrNameLst>
+                                      </p:cBhvr>
+                                      <p:to>
+                                        <p:strVal val="visible"/>
+                                      </p:to>
+                                    </p:set>
+                                  </p:childTnLst>
+                                </p:cTn>
+                              </p:par>
+                            </p:childTnLst>
+                          </p:cTn>
+                        </p:par>
+                      </p:childTnLst>
+                    </p:cTn>
+                  </p:par>
                 </p:childTnLst>
               </p:cTn>
               <p:prevCondLst>
@@ -10362,6 +9421,273 @@
       </p:par>
     </p:tnLst>
   </p:timing>
+</p:sld>
+</file>
+
+<file path=ppt/slides/slide8.xml><?xml version="1.0" encoding="utf-8"?>
+<p:sld xmlns:a="http://schemas.openxmlformats.org/drawingml/2006/main" xmlns:r="http://schemas.openxmlformats.org/officeDocument/2006/relationships" xmlns:p="http://schemas.openxmlformats.org/presentationml/2006/main">
+  <p:cSld>
+    <p:spTree>
+      <p:nvGrpSpPr>
+        <p:cNvPr id="1" name=""/>
+        <p:cNvGrpSpPr/>
+        <p:nvPr/>
+      </p:nvGrpSpPr>
+      <p:grpSpPr>
+        <a:xfrm>
+          <a:off x="0" y="0"/>
+          <a:ext cx="0" cy="0"/>
+          <a:chOff x="0" y="0"/>
+          <a:chExt cx="0" cy="0"/>
+        </a:xfrm>
+      </p:grpSpPr>
+      <p:sp>
+        <p:nvSpPr>
+          <p:cNvPr id="11" name="Rectangle 10">
+            <a:extLst>
+              <a:ext uri="{FF2B5EF4-FFF2-40B4-BE49-F238E27FC236}">
+                <a16:creationId xmlns:a16="http://schemas.microsoft.com/office/drawing/2014/main" id="{1BF55567-E569-4783-8A9A-A17C6B815A8F}"/>
+              </a:ext>
+            </a:extLst>
+          </p:cNvPr>
+          <p:cNvSpPr/>
+          <p:nvPr/>
+        </p:nvSpPr>
+        <p:spPr>
+          <a:xfrm>
+            <a:off x="0" y="-1"/>
+            <a:ext cx="9143999" cy="893135"/>
+          </a:xfrm>
+          <a:prstGeom prst="rect">
+            <a:avLst/>
+          </a:prstGeom>
+          <a:solidFill>
+            <a:srgbClr val="B78700"/>
+          </a:solidFill>
+          <a:ln>
+            <a:solidFill>
+              <a:srgbClr val="B78700"/>
+            </a:solidFill>
+          </a:ln>
+        </p:spPr>
+        <p:style>
+          <a:lnRef idx="2">
+            <a:schemeClr val="accent1">
+              <a:shade val="50000"/>
+            </a:schemeClr>
+          </a:lnRef>
+          <a:fillRef idx="1">
+            <a:schemeClr val="accent1"/>
+          </a:fillRef>
+          <a:effectRef idx="0">
+            <a:schemeClr val="accent1"/>
+          </a:effectRef>
+          <a:fontRef idx="minor">
+            <a:schemeClr val="lt1"/>
+          </a:fontRef>
+        </p:style>
+        <p:txBody>
+          <a:bodyPr rtlCol="0" anchor="ctr"/>
+          <a:lstStyle/>
+          <a:p>
+            <a:r>
+              <a:rPr lang="en-US" sz="3000" b="1" dirty="0">
+                <a:solidFill>
+                  <a:schemeClr val="bg1"/>
+                </a:solidFill>
+              </a:rPr>
+              <a:t>2. </a:t>
+            </a:r>
+            <a:r>
+              <a:rPr lang="en-US" sz="3000" b="1" dirty="0" err="1">
+                <a:solidFill>
+                  <a:schemeClr val="bg1"/>
+                </a:solidFill>
+              </a:rPr>
+              <a:t>Codificación</a:t>
+            </a:r>
+            <a:endParaRPr lang="es-MX" sz="3000" b="1" dirty="0">
+              <a:solidFill>
+                <a:schemeClr val="bg1"/>
+              </a:solidFill>
+            </a:endParaRPr>
+          </a:p>
+        </p:txBody>
+      </p:sp>
+      <p:sp>
+        <p:nvSpPr>
+          <p:cNvPr id="2" name="TextBox 1">
+            <a:extLst>
+              <a:ext uri="{FF2B5EF4-FFF2-40B4-BE49-F238E27FC236}">
+                <a16:creationId xmlns:a16="http://schemas.microsoft.com/office/drawing/2014/main" id="{26E30AAB-29BC-4CE7-B288-6FE748B82A42}"/>
+              </a:ext>
+            </a:extLst>
+          </p:cNvPr>
+          <p:cNvSpPr txBox="1"/>
+          <p:nvPr/>
+        </p:nvSpPr>
+        <p:spPr>
+          <a:xfrm>
+            <a:off x="0" y="893134"/>
+            <a:ext cx="9101470" cy="1938992"/>
+          </a:xfrm>
+          <a:prstGeom prst="rect">
+            <a:avLst/>
+          </a:prstGeom>
+          <a:noFill/>
+        </p:spPr>
+        <p:txBody>
+          <a:bodyPr wrap="square" rtlCol="0">
+            <a:spAutoFit/>
+          </a:bodyPr>
+          <a:lstStyle/>
+          <a:p>
+            <a:r>
+              <a:rPr lang="en-US" sz="2000" b="1" dirty="0" err="1">
+                <a:latin typeface="72" panose="020B0503030000000003" pitchFamily="34" charset="0"/>
+                <a:cs typeface="72" panose="020B0503030000000003" pitchFamily="34" charset="0"/>
+              </a:rPr>
+              <a:t>Fecha</a:t>
+            </a:r>
+            <a:r>
+              <a:rPr lang="en-US" sz="2000" b="1" dirty="0">
+                <a:latin typeface="72" panose="020B0503030000000003" pitchFamily="34" charset="0"/>
+                <a:cs typeface="72" panose="020B0503030000000003" pitchFamily="34" charset="0"/>
+              </a:rPr>
+              <a:t> de </a:t>
+            </a:r>
+            <a:r>
+              <a:rPr lang="en-US" sz="2000" b="1" dirty="0" err="1">
+                <a:latin typeface="72" panose="020B0503030000000003" pitchFamily="34" charset="0"/>
+                <a:cs typeface="72" panose="020B0503030000000003" pitchFamily="34" charset="0"/>
+              </a:rPr>
+              <a:t>entrega</a:t>
+            </a:r>
+            <a:r>
+              <a:rPr lang="en-US" sz="2000" b="1" dirty="0">
+                <a:latin typeface="72" panose="020B0503030000000003" pitchFamily="34" charset="0"/>
+                <a:cs typeface="72" panose="020B0503030000000003" pitchFamily="34" charset="0"/>
+              </a:rPr>
+              <a:t>: </a:t>
+            </a:r>
+            <a:r>
+              <a:rPr lang="en-US" sz="2000" dirty="0">
+                <a:latin typeface="72" panose="020B0503030000000003" pitchFamily="34" charset="0"/>
+                <a:cs typeface="72" panose="020B0503030000000003" pitchFamily="34" charset="0"/>
+              </a:rPr>
+              <a:t>3 de mayo @ 7:30 AM</a:t>
+            </a:r>
+          </a:p>
+          <a:p>
+            <a:endParaRPr lang="en-US" sz="2000" dirty="0">
+              <a:latin typeface="72" panose="020B0503030000000003" pitchFamily="34" charset="0"/>
+              <a:cs typeface="72" panose="020B0503030000000003" pitchFamily="34" charset="0"/>
+            </a:endParaRPr>
+          </a:p>
+          <a:p>
+            <a:r>
+              <a:rPr lang="es-MX" sz="2000" b="1" dirty="0">
+                <a:latin typeface="72" panose="020B0503030000000003" pitchFamily="34" charset="0"/>
+                <a:cs typeface="72" panose="020B0503030000000003" pitchFamily="34" charset="0"/>
+              </a:rPr>
+              <a:t>Entregable:</a:t>
+            </a:r>
+            <a:r>
+              <a:rPr lang="es-MX" sz="2000" dirty="0">
+                <a:latin typeface="72" panose="020B0503030000000003" pitchFamily="34" charset="0"/>
+                <a:cs typeface="72" panose="020B0503030000000003" pitchFamily="34" charset="0"/>
+              </a:rPr>
+              <a:t> El programa entregado deberá constar de </a:t>
+            </a:r>
+            <a:r>
+              <a:rPr lang="es-MX" sz="2000" u="sng" dirty="0">
+                <a:latin typeface="72" panose="020B0503030000000003" pitchFamily="34" charset="0"/>
+                <a:cs typeface="72" panose="020B0503030000000003" pitchFamily="34" charset="0"/>
+              </a:rPr>
+              <a:t>por lo menos</a:t>
+            </a:r>
+            <a:r>
+              <a:rPr lang="es-MX" sz="2000" dirty="0">
+                <a:latin typeface="72" panose="020B0503030000000003" pitchFamily="34" charset="0"/>
+                <a:cs typeface="72" panose="020B0503030000000003" pitchFamily="34" charset="0"/>
+              </a:rPr>
+              <a:t> tres clases, con la siguiente funcionalidad:</a:t>
+            </a:r>
+          </a:p>
+          <a:p>
+            <a:pPr marL="342900" indent="-342900">
+              <a:buFont typeface="Arial" panose="020B0604020202020204" pitchFamily="34" charset="0"/>
+              <a:buChar char="•"/>
+            </a:pPr>
+            <a:r>
+              <a:rPr lang="es-MX" sz="2000" dirty="0">
+                <a:latin typeface="72" panose="020B0503030000000003" pitchFamily="34" charset="0"/>
+                <a:cs typeface="72" panose="020B0503030000000003" pitchFamily="34" charset="0"/>
+              </a:rPr>
+              <a:t>Clase que modela el objeto elegido</a:t>
+            </a:r>
+          </a:p>
+          <a:p>
+            <a:pPr marL="342900" indent="-342900">
+              <a:buFont typeface="Arial" panose="020B0604020202020204" pitchFamily="34" charset="0"/>
+              <a:buChar char="•"/>
+            </a:pPr>
+            <a:r>
+              <a:rPr lang="es-MX" sz="2000" dirty="0">
+                <a:latin typeface="72" panose="020B0503030000000003" pitchFamily="34" charset="0"/>
+                <a:cs typeface="72" panose="020B0503030000000003" pitchFamily="34" charset="0"/>
+              </a:rPr>
+              <a:t>Clase que administra y maneja la interfaz gráfica.</a:t>
+            </a:r>
+          </a:p>
+        </p:txBody>
+      </p:sp>
+      <p:pic>
+        <p:nvPicPr>
+          <p:cNvPr id="5" name="Graphic 4" descr="Presentation with media">
+            <a:extLst>
+              <a:ext uri="{FF2B5EF4-FFF2-40B4-BE49-F238E27FC236}">
+                <a16:creationId xmlns:a16="http://schemas.microsoft.com/office/drawing/2014/main" id="{A7255E5F-6B86-4D1A-AB33-47A60F5AC5D6}"/>
+              </a:ext>
+            </a:extLst>
+          </p:cNvPr>
+          <p:cNvPicPr>
+            <a:picLocks noChangeAspect="1"/>
+          </p:cNvPicPr>
+          <p:nvPr/>
+        </p:nvPicPr>
+        <p:blipFill>
+          <a:blip r:embed="rId2">
+            <a:extLst>
+              <a:ext uri="{96DAC541-7B7A-43D3-8B79-37D633B846F1}">
+                <asvg:svgBlip xmlns:asvg="http://schemas.microsoft.com/office/drawing/2016/SVG/main" r:embed="rId3"/>
+              </a:ext>
+            </a:extLst>
+          </a:blip>
+          <a:stretch>
+            <a:fillRect/>
+          </a:stretch>
+        </p:blipFill>
+        <p:spPr>
+          <a:xfrm>
+            <a:off x="7624775" y="-47343"/>
+            <a:ext cx="987817" cy="987817"/>
+          </a:xfrm>
+          <a:prstGeom prst="rect">
+            <a:avLst/>
+          </a:prstGeom>
+        </p:spPr>
+      </p:pic>
+    </p:spTree>
+    <p:extLst>
+      <p:ext uri="{BB962C8B-B14F-4D97-AF65-F5344CB8AC3E}">
+        <p14:creationId xmlns:p14="http://schemas.microsoft.com/office/powerpoint/2010/main" val="2313295308"/>
+      </p:ext>
+    </p:extLst>
+  </p:cSld>
+  <p:clrMapOvr>
+    <a:masterClrMapping/>
+  </p:clrMapOvr>
 </p:sld>
 </file>
 
@@ -10470,7 +9796,7 @@
         <p:spPr>
           <a:xfrm>
             <a:off x="0" y="893134"/>
-            <a:ext cx="9101470" cy="1938992"/>
+            <a:ext cx="9101470" cy="3693319"/>
           </a:xfrm>
           <a:prstGeom prst="rect">
             <a:avLst/>
@@ -10484,76 +9810,25 @@
           <a:lstStyle/>
           <a:p>
             <a:r>
-              <a:rPr lang="en-US" sz="2000" b="1" dirty="0" err="1">
+              <a:rPr lang="es-MX" sz="1800" dirty="0">
                 <a:latin typeface="72" panose="020B0503030000000003" pitchFamily="34" charset="0"/>
                 <a:cs typeface="72" panose="020B0503030000000003" pitchFamily="34" charset="0"/>
               </a:rPr>
-              <a:t>Fecha</a:t>
+              <a:t>La funcionalidad mínima esperada es:</a:t>
             </a:r>
+          </a:p>
+          <a:p>
             <a:r>
-              <a:rPr lang="en-US" sz="2000" b="1" dirty="0">
+              <a:rPr lang="es-MX" sz="1800" b="1" dirty="0">
                 <a:latin typeface="72" panose="020B0503030000000003" pitchFamily="34" charset="0"/>
                 <a:cs typeface="72" panose="020B0503030000000003" pitchFamily="34" charset="0"/>
               </a:rPr>
-              <a:t> de </a:t>
+              <a:t>Clase para modelar el objeto elegido:</a:t>
             </a:r>
-            <a:r>
-              <a:rPr lang="en-US" sz="2000" b="1" dirty="0" err="1">
-                <a:latin typeface="72" panose="020B0503030000000003" pitchFamily="34" charset="0"/>
-                <a:cs typeface="72" panose="020B0503030000000003" pitchFamily="34" charset="0"/>
-              </a:rPr>
-              <a:t>entrega</a:t>
-            </a:r>
-            <a:r>
-              <a:rPr lang="en-US" sz="2000" b="1" dirty="0">
-                <a:latin typeface="72" panose="020B0503030000000003" pitchFamily="34" charset="0"/>
-                <a:cs typeface="72" panose="020B0503030000000003" pitchFamily="34" charset="0"/>
-              </a:rPr>
-              <a:t>: </a:t>
-            </a:r>
-            <a:r>
-              <a:rPr lang="en-US" sz="2000" dirty="0">
-                <a:latin typeface="72" panose="020B0503030000000003" pitchFamily="34" charset="0"/>
-                <a:cs typeface="72" panose="020B0503030000000003" pitchFamily="34" charset="0"/>
-              </a:rPr>
-              <a:t>5 de mayo @ 7:00 AM</a:t>
-            </a:r>
-          </a:p>
-          <a:p>
-            <a:endParaRPr lang="en-US" sz="2000" dirty="0">
+            <a:endParaRPr lang="es-MX" sz="1800" dirty="0">
               <a:latin typeface="72" panose="020B0503030000000003" pitchFamily="34" charset="0"/>
               <a:cs typeface="72" panose="020B0503030000000003" pitchFamily="34" charset="0"/>
             </a:endParaRPr>
-          </a:p>
-          <a:p>
-            <a:r>
-              <a:rPr lang="es-MX" sz="2000" b="1" dirty="0">
-                <a:latin typeface="72" panose="020B0503030000000003" pitchFamily="34" charset="0"/>
-                <a:cs typeface="72" panose="020B0503030000000003" pitchFamily="34" charset="0"/>
-              </a:rPr>
-              <a:t>Entregable:</a:t>
-            </a:r>
-            <a:r>
-              <a:rPr lang="es-MX" sz="2000" dirty="0">
-                <a:latin typeface="72" panose="020B0503030000000003" pitchFamily="34" charset="0"/>
-                <a:cs typeface="72" panose="020B0503030000000003" pitchFamily="34" charset="0"/>
-              </a:rPr>
-              <a:t> El programa entregado deberá constar de </a:t>
-            </a:r>
-            <a:r>
-              <a:rPr lang="es-MX" sz="2000" u="sng" dirty="0">
-                <a:latin typeface="72" panose="020B0503030000000003" pitchFamily="34" charset="0"/>
-                <a:cs typeface="72" panose="020B0503030000000003" pitchFamily="34" charset="0"/>
-              </a:rPr>
-              <a:t>por lo menos</a:t>
-            </a:r>
-            <a:r>
-              <a:rPr lang="es-MX" sz="2000" dirty="0">
-                <a:latin typeface="72" panose="020B0503030000000003" pitchFamily="34" charset="0"/>
-                <a:cs typeface="72" panose="020B0503030000000003" pitchFamily="34" charset="0"/>
-              </a:rPr>
-              <a:t> dos clases, con la siguiente funcionalidad:</a:t>
-            </a:r>
           </a:p>
           <a:p>
             <a:pPr marL="342900" indent="-342900">
@@ -10561,11 +9836,11 @@
               <a:buChar char="•"/>
             </a:pPr>
             <a:r>
-              <a:rPr lang="es-MX" sz="2000" dirty="0">
+              <a:rPr lang="es-MX" sz="1800" dirty="0">
                 <a:latin typeface="72" panose="020B0503030000000003" pitchFamily="34" charset="0"/>
                 <a:cs typeface="72" panose="020B0503030000000003" pitchFamily="34" charset="0"/>
               </a:rPr>
-              <a:t>Clase que modela el objeto elegido</a:t>
+              <a:t>5 atributos, correctamente encapsulados</a:t>
             </a:r>
           </a:p>
           <a:p>
@@ -10574,12 +9849,122 @@
               <a:buChar char="•"/>
             </a:pPr>
             <a:r>
-              <a:rPr lang="es-MX" sz="2000" dirty="0">
+              <a:rPr lang="es-MX" sz="1800" dirty="0">
                 <a:latin typeface="72" panose="020B0503030000000003" pitchFamily="34" charset="0"/>
                 <a:cs typeface="72" panose="020B0503030000000003" pitchFamily="34" charset="0"/>
               </a:rPr>
-              <a:t>Clase que administra y maneja la interfaz gráfica.</a:t>
+              <a:t>1 constructor</a:t>
             </a:r>
+          </a:p>
+          <a:p>
+            <a:pPr marL="342900" indent="-342900">
+              <a:buFont typeface="Arial" panose="020B0604020202020204" pitchFamily="34" charset="0"/>
+              <a:buChar char="•"/>
+            </a:pPr>
+            <a:r>
+              <a:rPr lang="es-MX" sz="1800" dirty="0">
+                <a:latin typeface="72" panose="020B0503030000000003" pitchFamily="34" charset="0"/>
+                <a:cs typeface="72" panose="020B0503030000000003" pitchFamily="34" charset="0"/>
+              </a:rPr>
+              <a:t>Getters y setters necesarios para interactuar con la clase</a:t>
+            </a:r>
+          </a:p>
+          <a:p>
+            <a:pPr marL="342900" indent="-342900">
+              <a:buFont typeface="Arial" panose="020B0604020202020204" pitchFamily="34" charset="0"/>
+              <a:buChar char="•"/>
+            </a:pPr>
+            <a:r>
+              <a:rPr lang="es-MX" sz="1800" dirty="0">
+                <a:latin typeface="72" panose="020B0503030000000003" pitchFamily="34" charset="0"/>
+                <a:cs typeface="72" panose="020B0503030000000003" pitchFamily="34" charset="0"/>
+              </a:rPr>
+              <a:t>Métodos para realizar </a:t>
+            </a:r>
+            <a:r>
+              <a:rPr lang="es-MX" sz="1800">
+                <a:latin typeface="72" panose="020B0503030000000003" pitchFamily="34" charset="0"/>
+                <a:cs typeface="72" panose="020B0503030000000003" pitchFamily="34" charset="0"/>
+              </a:rPr>
+              <a:t>los cálculos</a:t>
+            </a:r>
+            <a:endParaRPr lang="es-MX" sz="1800" dirty="0">
+              <a:latin typeface="72" panose="020B0503030000000003" pitchFamily="34" charset="0"/>
+              <a:cs typeface="72" panose="020B0503030000000003" pitchFamily="34" charset="0"/>
+            </a:endParaRPr>
+          </a:p>
+          <a:p>
+            <a:endParaRPr lang="es-MX" sz="1800" dirty="0">
+              <a:latin typeface="72" panose="020B0503030000000003" pitchFamily="34" charset="0"/>
+              <a:cs typeface="72" panose="020B0503030000000003" pitchFamily="34" charset="0"/>
+            </a:endParaRPr>
+          </a:p>
+          <a:p>
+            <a:r>
+              <a:rPr lang="es-MX" sz="1800" b="1" dirty="0">
+                <a:latin typeface="72" panose="020B0503030000000003" pitchFamily="34" charset="0"/>
+                <a:cs typeface="72" panose="020B0503030000000003" pitchFamily="34" charset="0"/>
+              </a:rPr>
+              <a:t>Interfaz Gráfica:</a:t>
+            </a:r>
+          </a:p>
+          <a:p>
+            <a:pPr marL="342900" indent="-342900">
+              <a:buFont typeface="Arial" panose="020B0604020202020204" pitchFamily="34" charset="0"/>
+              <a:buChar char="•"/>
+            </a:pPr>
+            <a:r>
+              <a:rPr lang="es-MX" sz="1800" dirty="0">
+                <a:latin typeface="72" panose="020B0503030000000003" pitchFamily="34" charset="0"/>
+                <a:cs typeface="72" panose="020B0503030000000003" pitchFamily="34" charset="0"/>
+              </a:rPr>
+              <a:t>2 ventanas</a:t>
+            </a:r>
+          </a:p>
+          <a:p>
+            <a:pPr marL="342900" indent="-342900">
+              <a:buFont typeface="Arial" panose="020B0604020202020204" pitchFamily="34" charset="0"/>
+              <a:buChar char="•"/>
+            </a:pPr>
+            <a:r>
+              <a:rPr lang="es-MX" sz="1800" dirty="0">
+                <a:latin typeface="72" panose="020B0503030000000003" pitchFamily="34" charset="0"/>
+                <a:cs typeface="72" panose="020B0503030000000003" pitchFamily="34" charset="0"/>
+              </a:rPr>
+              <a:t>2 botones</a:t>
+            </a:r>
+          </a:p>
+          <a:p>
+            <a:pPr marL="342900" indent="-342900">
+              <a:buFont typeface="Arial" panose="020B0604020202020204" pitchFamily="34" charset="0"/>
+              <a:buChar char="•"/>
+            </a:pPr>
+            <a:r>
+              <a:rPr lang="es-MX" sz="1800" dirty="0">
+                <a:latin typeface="72" panose="020B0503030000000003" pitchFamily="34" charset="0"/>
+                <a:cs typeface="72" panose="020B0503030000000003" pitchFamily="34" charset="0"/>
+              </a:rPr>
+              <a:t>2 imágenes</a:t>
+            </a:r>
+          </a:p>
+          <a:p>
+            <a:pPr marL="342900" indent="-342900">
+              <a:buFont typeface="Arial" panose="020B0604020202020204" pitchFamily="34" charset="0"/>
+              <a:buChar char="•"/>
+            </a:pPr>
+            <a:r>
+              <a:rPr lang="es-MX" sz="1800" dirty="0">
+                <a:latin typeface="72" panose="020B0503030000000003" pitchFamily="34" charset="0"/>
+                <a:cs typeface="72" panose="020B0503030000000003" pitchFamily="34" charset="0"/>
+              </a:rPr>
+              <a:t>Labels e input boxes necesarios</a:t>
+            </a:r>
+          </a:p>
+          <a:p>
+            <a:endParaRPr lang="es-MX" sz="1800" b="1" dirty="0">
+              <a:latin typeface="72" panose="020B0503030000000003" pitchFamily="34" charset="0"/>
+              <a:cs typeface="72" panose="020B0503030000000003" pitchFamily="34" charset="0"/>
+            </a:endParaRPr>
           </a:p>
         </p:txBody>
       </p:sp>
@@ -10622,7 +10007,7 @@
     </p:spTree>
     <p:extLst>
       <p:ext uri="{BB962C8B-B14F-4D97-AF65-F5344CB8AC3E}">
-        <p14:creationId xmlns:p14="http://schemas.microsoft.com/office/powerpoint/2010/main" val="2313295308"/>
+        <p14:creationId xmlns:p14="http://schemas.microsoft.com/office/powerpoint/2010/main" val="3145101568"/>
       </p:ext>
     </p:extLst>
   </p:cSld>
